--- a/HTML/01-introduction/introduction.pptx
+++ b/HTML/01-introduction/introduction.pptx
@@ -11,14 +11,19 @@
     <p:sldId id="267" r:id="rId5"/>
     <p:sldId id="268" r:id="rId6"/>
     <p:sldId id="257" r:id="rId7"/>
-    <p:sldId id="258" r:id="rId8"/>
+    <p:sldId id="270" r:id="rId8"/>
     <p:sldId id="260" r:id="rId9"/>
     <p:sldId id="261" r:id="rId10"/>
     <p:sldId id="262" r:id="rId11"/>
-    <p:sldId id="259" r:id="rId12"/>
-    <p:sldId id="263" r:id="rId13"/>
-    <p:sldId id="264" r:id="rId14"/>
-    <p:sldId id="269" r:id="rId15"/>
+    <p:sldId id="263" r:id="rId12"/>
+    <p:sldId id="264" r:id="rId13"/>
+    <p:sldId id="258" r:id="rId14"/>
+    <p:sldId id="275" r:id="rId15"/>
+    <p:sldId id="259" r:id="rId16"/>
+    <p:sldId id="272" r:id="rId17"/>
+    <p:sldId id="273" r:id="rId18"/>
+    <p:sldId id="274" r:id="rId19"/>
+    <p:sldId id="269" r:id="rId20"/>
   </p:sldIdLst>
   <p:sldSz cx="12192000" cy="6858000"/>
   <p:notesSz cx="6858000" cy="9144000"/>
@@ -125,10 +130,6 @@
 </p:presentation>
 </file>
 
-<file path=ppt/revisionInfo.xml><?xml version="1.0" encoding="utf-8"?>
-<p1510:revInfo xmlns:a="http://schemas.openxmlformats.org/drawingml/2006/main" xmlns:r="http://schemas.openxmlformats.org/officeDocument/2006/relationships" xmlns:p1510="http://schemas.microsoft.com/office/powerpoint/2015/10/main"/>
-</file>
-
 <file path=ppt/slideLayouts/slideLayout1.xml><?xml version="1.0" encoding="utf-8"?>
 <p:sldLayout xmlns:a="http://schemas.openxmlformats.org/drawingml/2006/main" xmlns:r="http://schemas.openxmlformats.org/officeDocument/2006/relationships" xmlns:p="http://schemas.openxmlformats.org/presentationml/2006/main" type="title" preserve="1">
   <p:cSld name="שקופית כותרת">
@@ -315,7 +316,7 @@
           <a:p>
             <a:fld id="{8C0E481A-6A09-48DA-A8F0-C923B352291E}" type="datetimeFigureOut">
               <a:rPr lang="he-IL" smtClean="0"/>
-              <a:t>כ"ב/כסלו/תשע"ח</a:t>
+              <a:t>ו'/ניסן/תשע"ט</a:t>
             </a:fld>
             <a:endParaRPr lang="he-IL"/>
           </a:p>
@@ -590,7 +591,7 @@
           <a:p>
             <a:fld id="{8C0E481A-6A09-48DA-A8F0-C923B352291E}" type="datetimeFigureOut">
               <a:rPr lang="he-IL" smtClean="0"/>
-              <a:t>כ"ב/כסלו/תשע"ח</a:t>
+              <a:t>ו'/ניסן/תשע"ט</a:t>
             </a:fld>
             <a:endParaRPr lang="he-IL"/>
           </a:p>
@@ -784,7 +785,7 @@
           <a:p>
             <a:fld id="{8C0E481A-6A09-48DA-A8F0-C923B352291E}" type="datetimeFigureOut">
               <a:rPr lang="he-IL" smtClean="0"/>
-              <a:t>כ"ב/כסלו/תשע"ח</a:t>
+              <a:t>ו'/ניסן/תשע"ט</a:t>
             </a:fld>
             <a:endParaRPr lang="he-IL"/>
           </a:p>
@@ -1055,7 +1056,7 @@
           <a:p>
             <a:fld id="{8C0E481A-6A09-48DA-A8F0-C923B352291E}" type="datetimeFigureOut">
               <a:rPr lang="he-IL" smtClean="0"/>
-              <a:t>כ"ב/כסלו/תשע"ח</a:t>
+              <a:t>ו'/ניסן/תשע"ט</a:t>
             </a:fld>
             <a:endParaRPr lang="he-IL"/>
           </a:p>
@@ -1382,7 +1383,7 @@
           <a:p>
             <a:fld id="{8C0E481A-6A09-48DA-A8F0-C923B352291E}" type="datetimeFigureOut">
               <a:rPr lang="he-IL" smtClean="0"/>
-              <a:t>כ"ב/כסלו/תשע"ח</a:t>
+              <a:t>ו'/ניסן/תשע"ט</a:t>
             </a:fld>
             <a:endParaRPr lang="he-IL"/>
           </a:p>
@@ -2001,7 +2002,7 @@
           <a:p>
             <a:fld id="{8C0E481A-6A09-48DA-A8F0-C923B352291E}" type="datetimeFigureOut">
               <a:rPr lang="he-IL" smtClean="0"/>
-              <a:t>כ"ב/כסלו/תשע"ח</a:t>
+              <a:t>ו'/ניסן/תשע"ט</a:t>
             </a:fld>
             <a:endParaRPr lang="he-IL"/>
           </a:p>
@@ -2848,7 +2849,7 @@
           <a:p>
             <a:fld id="{8C0E481A-6A09-48DA-A8F0-C923B352291E}" type="datetimeFigureOut">
               <a:rPr lang="he-IL" smtClean="0"/>
-              <a:t>כ"ב/כסלו/תשע"ח</a:t>
+              <a:t>ו'/ניסן/תשע"ט</a:t>
             </a:fld>
             <a:endParaRPr lang="he-IL"/>
           </a:p>
@@ -3018,7 +3019,7 @@
           <a:p>
             <a:fld id="{8C0E481A-6A09-48DA-A8F0-C923B352291E}" type="datetimeFigureOut">
               <a:rPr lang="he-IL" smtClean="0"/>
-              <a:t>כ"ב/כסלו/תשע"ח</a:t>
+              <a:t>ו'/ניסן/תשע"ט</a:t>
             </a:fld>
             <a:endParaRPr lang="he-IL"/>
           </a:p>
@@ -3198,7 +3199,7 @@
           <a:p>
             <a:fld id="{8C0E481A-6A09-48DA-A8F0-C923B352291E}" type="datetimeFigureOut">
               <a:rPr lang="he-IL" smtClean="0"/>
-              <a:t>כ"ב/כסלו/תשע"ח</a:t>
+              <a:t>ו'/ניסן/תשע"ט</a:t>
             </a:fld>
             <a:endParaRPr lang="he-IL"/>
           </a:p>
@@ -3368,7 +3369,7 @@
           <a:p>
             <a:fld id="{8C0E481A-6A09-48DA-A8F0-C923B352291E}" type="datetimeFigureOut">
               <a:rPr lang="he-IL" smtClean="0"/>
-              <a:t>כ"ב/כסלו/תשע"ח</a:t>
+              <a:t>ו'/ניסן/תשע"ט</a:t>
             </a:fld>
             <a:endParaRPr lang="he-IL"/>
           </a:p>
@@ -3615,7 +3616,7 @@
           <a:p>
             <a:fld id="{8C0E481A-6A09-48DA-A8F0-C923B352291E}" type="datetimeFigureOut">
               <a:rPr lang="he-IL" smtClean="0"/>
-              <a:t>כ"ב/כסלו/תשע"ח</a:t>
+              <a:t>ו'/ניסן/תשע"ט</a:t>
             </a:fld>
             <a:endParaRPr lang="he-IL"/>
           </a:p>
@@ -3907,7 +3908,7 @@
           <a:p>
             <a:fld id="{8C0E481A-6A09-48DA-A8F0-C923B352291E}" type="datetimeFigureOut">
               <a:rPr lang="he-IL" smtClean="0"/>
-              <a:t>כ"ב/כסלו/תשע"ח</a:t>
+              <a:t>ו'/ניסן/תשע"ט</a:t>
             </a:fld>
             <a:endParaRPr lang="he-IL"/>
           </a:p>
@@ -4351,7 +4352,7 @@
           <a:p>
             <a:fld id="{8C0E481A-6A09-48DA-A8F0-C923B352291E}" type="datetimeFigureOut">
               <a:rPr lang="he-IL" smtClean="0"/>
-              <a:t>כ"ב/כסלו/תשע"ח</a:t>
+              <a:t>ו'/ניסן/תשע"ט</a:t>
             </a:fld>
             <a:endParaRPr lang="he-IL"/>
           </a:p>
@@ -4469,7 +4470,7 @@
           <a:p>
             <a:fld id="{8C0E481A-6A09-48DA-A8F0-C923B352291E}" type="datetimeFigureOut">
               <a:rPr lang="he-IL" smtClean="0"/>
-              <a:t>כ"ב/כסלו/תשע"ח</a:t>
+              <a:t>ו'/ניסן/תשע"ט</a:t>
             </a:fld>
             <a:endParaRPr lang="he-IL"/>
           </a:p>
@@ -4564,7 +4565,7 @@
           <a:p>
             <a:fld id="{8C0E481A-6A09-48DA-A8F0-C923B352291E}" type="datetimeFigureOut">
               <a:rPr lang="he-IL" smtClean="0"/>
-              <a:t>כ"ב/כסלו/תשע"ח</a:t>
+              <a:t>ו'/ניסן/תשע"ט</a:t>
             </a:fld>
             <a:endParaRPr lang="he-IL"/>
           </a:p>
@@ -4843,7 +4844,7 @@
           <a:p>
             <a:fld id="{8C0E481A-6A09-48DA-A8F0-C923B352291E}" type="datetimeFigureOut">
               <a:rPr lang="he-IL" smtClean="0"/>
-              <a:t>כ"ב/כסלו/תשע"ח</a:t>
+              <a:t>ו'/ניסן/תשע"ט</a:t>
             </a:fld>
             <a:endParaRPr lang="he-IL"/>
           </a:p>
@@ -5118,7 +5119,7 @@
           <a:p>
             <a:fld id="{8C0E481A-6A09-48DA-A8F0-C923B352291E}" type="datetimeFigureOut">
               <a:rPr lang="he-IL" smtClean="0"/>
-              <a:t>כ"ב/כסלו/תשע"ח</a:t>
+              <a:t>ו'/ניסן/תשע"ט</a:t>
             </a:fld>
             <a:endParaRPr lang="he-IL"/>
           </a:p>
@@ -5541,7 +5542,7 @@
           <a:p>
             <a:fld id="{8C0E481A-6A09-48DA-A8F0-C923B352291E}" type="datetimeFigureOut">
               <a:rPr lang="he-IL" smtClean="0"/>
-              <a:t>כ"ב/כסלו/תשע"ח</a:t>
+              <a:t>ו'/ניסן/תשע"ט</a:t>
             </a:fld>
             <a:endParaRPr lang="he-IL"/>
           </a:p>
@@ -6261,7 +6262,7 @@
     </p:spTree>
     <p:extLst>
       <p:ext uri="{BB962C8B-B14F-4D97-AF65-F5344CB8AC3E}">
-        <p14:creationId xmlns:p14="http://schemas.microsoft.com/office/powerpoint/2010/main" val="1838498384"/>
+        <p14:creationId xmlns:p14="http://schemas.microsoft.com/office/powerpoint/2010/main" val="324485928"/>
       </p:ext>
     </p:extLst>
   </p:cSld>
@@ -6293,7 +6294,7 @@
           <p:cNvPr id="2" name="כותרת 1">
             <a:extLst>
               <a:ext uri="{FF2B5EF4-FFF2-40B4-BE49-F238E27FC236}">
-                <a16:creationId xmlns:a16="http://schemas.microsoft.com/office/drawing/2014/main" id="{E3F5E3BC-67E5-43AA-A7AA-5708895851EF}"/>
+                <a16:creationId xmlns:a16="http://schemas.microsoft.com/office/drawing/2014/main" id="{1D570487-B231-4B12-B4D8-432B0914C2FE}"/>
               </a:ext>
             </a:extLst>
           </p:cNvPr>
@@ -6311,52 +6312,18 @@
           <a:p>
             <a:r>
               <a:rPr lang="en-US" dirty="0"/>
-              <a:t>How browsers work</a:t>
+              <a:t>HTML render sequence</a:t>
             </a:r>
             <a:endParaRPr lang="he-IL" dirty="0"/>
           </a:p>
         </p:txBody>
       </p:sp>
-      <p:sp>
-        <p:nvSpPr>
-          <p:cNvPr id="4" name="מלבן 3">
+      <p:pic>
+        <p:nvPicPr>
+          <p:cNvPr id="5" name="תמונה 4">
             <a:extLst>
               <a:ext uri="{FF2B5EF4-FFF2-40B4-BE49-F238E27FC236}">
-                <a16:creationId xmlns:a16="http://schemas.microsoft.com/office/drawing/2014/main" id="{1420EEE2-F6F2-4C57-A5FF-94793B25EEA8}"/>
-              </a:ext>
-            </a:extLst>
-          </p:cNvPr>
-          <p:cNvSpPr/>
-          <p:nvPr/>
-        </p:nvSpPr>
-        <p:spPr>
-          <a:xfrm>
-            <a:off x="646111" y="5934174"/>
-            <a:ext cx="10228215" cy="646331"/>
-          </a:xfrm>
-          <a:prstGeom prst="rect">
-            <a:avLst/>
-          </a:prstGeom>
-        </p:spPr>
-        <p:txBody>
-          <a:bodyPr wrap="square">
-            <a:spAutoFit/>
-          </a:bodyPr>
-          <a:lstStyle/>
-          <a:p>
-            <a:r>
-              <a:rPr lang="he-IL" dirty="0"/>
-              <a:t>https://developers.google.com/web/fundamentals/performance/critical-rendering-path/render-tree-construction</a:t>
-            </a:r>
-          </a:p>
-        </p:txBody>
-      </p:sp>
-      <p:pic>
-        <p:nvPicPr>
-          <p:cNvPr id="6" name="תמונה 5" descr="תמונה שמכילה טקסט, מפה&#10;&#10;תיאור שנוצר ברמת מהימנות גבוהה מאוד">
-            <a:extLst>
-              <a:ext uri="{FF2B5EF4-FFF2-40B4-BE49-F238E27FC236}">
-                <a16:creationId xmlns:a16="http://schemas.microsoft.com/office/drawing/2014/main" id="{9C03C6F4-EDDA-44D7-AAFE-C100A254B34C}"/>
+                <a16:creationId xmlns:a16="http://schemas.microsoft.com/office/drawing/2014/main" id="{FA9F6F5A-8712-4AA4-9EF6-AA4E2B996633}"/>
               </a:ext>
             </a:extLst>
           </p:cNvPr>
@@ -6366,21 +6333,45 @@
           <p:nvPr/>
         </p:nvPicPr>
         <p:blipFill>
-          <a:blip r:embed="rId2">
-            <a:extLst>
-              <a:ext uri="{28A0092B-C50C-407E-A947-70E740481C1C}">
-                <a14:useLocalDpi xmlns:a14="http://schemas.microsoft.com/office/drawing/2010/main" val="0"/>
-              </a:ext>
-            </a:extLst>
-          </a:blip>
+          <a:blip r:embed="rId2"/>
           <a:stretch>
             <a:fillRect/>
           </a:stretch>
         </p:blipFill>
         <p:spPr>
           <a:xfrm>
-            <a:off x="1317674" y="1362218"/>
-            <a:ext cx="9790967" cy="4571956"/>
+            <a:off x="646111" y="1466954"/>
+            <a:ext cx="8662765" cy="4938328"/>
+          </a:xfrm>
+          <a:prstGeom prst="rect">
+            <a:avLst/>
+          </a:prstGeom>
+        </p:spPr>
+      </p:pic>
+      <p:pic>
+        <p:nvPicPr>
+          <p:cNvPr id="6" name="תמונה 5">
+            <a:extLst>
+              <a:ext uri="{FF2B5EF4-FFF2-40B4-BE49-F238E27FC236}">
+                <a16:creationId xmlns:a16="http://schemas.microsoft.com/office/drawing/2014/main" id="{2B813336-80AC-46C2-B580-A4378657BA0F}"/>
+              </a:ext>
+            </a:extLst>
+          </p:cNvPr>
+          <p:cNvPicPr>
+            <a:picLocks noChangeAspect="1"/>
+          </p:cNvPicPr>
+          <p:nvPr/>
+        </p:nvPicPr>
+        <p:blipFill>
+          <a:blip r:embed="rId3"/>
+          <a:stretch>
+            <a:fillRect/>
+          </a:stretch>
+        </p:blipFill>
+        <p:spPr>
+          <a:xfrm>
+            <a:off x="7048759" y="1026942"/>
+            <a:ext cx="4497129" cy="2707695"/>
           </a:xfrm>
           <a:prstGeom prst="rect">
             <a:avLst/>
@@ -6390,7 +6381,7 @@
     </p:spTree>
     <p:extLst>
       <p:ext uri="{BB962C8B-B14F-4D97-AF65-F5344CB8AC3E}">
-        <p14:creationId xmlns:p14="http://schemas.microsoft.com/office/powerpoint/2010/main" val="3353947107"/>
+        <p14:creationId xmlns:p14="http://schemas.microsoft.com/office/powerpoint/2010/main" val="2515458719"/>
       </p:ext>
     </p:extLst>
   </p:cSld>
@@ -6448,10 +6439,10 @@
       </p:sp>
       <p:pic>
         <p:nvPicPr>
-          <p:cNvPr id="5" name="תמונה 4">
+          <p:cNvPr id="3" name="תמונה 2">
             <a:extLst>
               <a:ext uri="{FF2B5EF4-FFF2-40B4-BE49-F238E27FC236}">
-                <a16:creationId xmlns:a16="http://schemas.microsoft.com/office/drawing/2014/main" id="{FA9F6F5A-8712-4AA4-9EF6-AA4E2B996633}"/>
+                <a16:creationId xmlns:a16="http://schemas.microsoft.com/office/drawing/2014/main" id="{85470D4C-6332-4CC2-A311-956E9A07C3D4}"/>
               </a:ext>
             </a:extLst>
           </p:cNvPr>
@@ -6468,8 +6459,8 @@
         </p:blipFill>
         <p:spPr>
           <a:xfrm>
-            <a:off x="646111" y="1466954"/>
-            <a:ext cx="8662765" cy="4938328"/>
+            <a:off x="395562" y="1491176"/>
+            <a:ext cx="8829401" cy="4811150"/>
           </a:xfrm>
           <a:prstGeom prst="rect">
             <a:avLst/>
@@ -6478,10 +6469,10 @@
       </p:pic>
       <p:pic>
         <p:nvPicPr>
-          <p:cNvPr id="6" name="תמונה 5">
+          <p:cNvPr id="7" name="תמונה 6">
             <a:extLst>
               <a:ext uri="{FF2B5EF4-FFF2-40B4-BE49-F238E27FC236}">
-                <a16:creationId xmlns:a16="http://schemas.microsoft.com/office/drawing/2014/main" id="{2B813336-80AC-46C2-B580-A4378657BA0F}"/>
+                <a16:creationId xmlns:a16="http://schemas.microsoft.com/office/drawing/2014/main" id="{B579F281-D3BD-43DE-AEE1-6E1BF187D684}"/>
               </a:ext>
             </a:extLst>
           </p:cNvPr>
@@ -6498,8 +6489,8 @@
         </p:blipFill>
         <p:spPr>
           <a:xfrm>
-            <a:off x="7048759" y="1026942"/>
-            <a:ext cx="4497129" cy="2707695"/>
+            <a:off x="7607514" y="1152983"/>
+            <a:ext cx="3735995" cy="2882894"/>
           </a:xfrm>
           <a:prstGeom prst="rect">
             <a:avLst/>
@@ -6509,7 +6500,7 @@
     </p:spTree>
     <p:extLst>
       <p:ext uri="{BB962C8B-B14F-4D97-AF65-F5344CB8AC3E}">
-        <p14:creationId xmlns:p14="http://schemas.microsoft.com/office/powerpoint/2010/main" val="1938003916"/>
+        <p14:creationId xmlns:p14="http://schemas.microsoft.com/office/powerpoint/2010/main" val="571599441"/>
       </p:ext>
     </p:extLst>
   </p:cSld>
@@ -6520,6 +6511,476 @@
 </file>
 
 <file path=ppt/slides/slide13.xml><?xml version="1.0" encoding="utf-8"?>
+<p:sld xmlns:a="http://schemas.openxmlformats.org/drawingml/2006/main" xmlns:r="http://schemas.openxmlformats.org/officeDocument/2006/relationships" xmlns:p="http://schemas.openxmlformats.org/presentationml/2006/main">
+  <p:cSld>
+    <p:bg>
+      <p:bgPr>
+        <a:blipFill rotWithShape="1">
+          <a:blip r:embed="rId2">
+            <a:duotone>
+              <a:schemeClr val="bg2">
+                <a:shade val="69000"/>
+                <a:hueMod val="91000"/>
+                <a:satMod val="164000"/>
+                <a:lumMod val="74000"/>
+              </a:schemeClr>
+              <a:schemeClr val="bg2">
+                <a:hueMod val="124000"/>
+                <a:satMod val="140000"/>
+                <a:lumMod val="142000"/>
+              </a:schemeClr>
+            </a:duotone>
+            <a:extLst/>
+          </a:blip>
+          <a:stretch/>
+        </a:blipFill>
+        <a:effectLst/>
+      </p:bgPr>
+    </p:bg>
+    <p:spTree>
+      <p:nvGrpSpPr>
+        <p:cNvPr id="1" name=""/>
+        <p:cNvGrpSpPr/>
+        <p:nvPr/>
+      </p:nvGrpSpPr>
+      <p:grpSpPr>
+        <a:xfrm>
+          <a:off x="0" y="0"/>
+          <a:ext cx="0" cy="0"/>
+          <a:chOff x="0" y="0"/>
+          <a:chExt cx="0" cy="0"/>
+        </a:xfrm>
+      </p:grpSpPr>
+      <p:pic>
+        <p:nvPicPr>
+          <p:cNvPr id="10" name="Picture 9">
+            <a:extLst>
+              <a:ext uri="{FF2B5EF4-FFF2-40B4-BE49-F238E27FC236}">
+                <a16:creationId xmlns:a16="http://schemas.microsoft.com/office/drawing/2014/main" id="{26E32CE1-D113-412E-9933-113646E21F53}"/>
+              </a:ext>
+            </a:extLst>
+          </p:cNvPr>
+          <p:cNvPicPr>
+            <a:picLocks noGrp="1" noRot="1" noChangeAspect="1" noMove="1" noResize="1" noEditPoints="1" noAdjustHandles="1" noChangeArrowheads="1" noChangeShapeType="1" noCrop="1"/>
+          </p:cNvPicPr>
+          <p:nvPr>
+            <p:extLst>
+              <p:ext uri="{386F3935-93C4-4BCD-93E2-E3B085C9AB24}">
+                <p16:designElem xmlns:p16="http://schemas.microsoft.com/office/powerpoint/2015/main" val="1"/>
+              </p:ext>
+            </p:extLst>
+          </p:nvPr>
+        </p:nvPicPr>
+        <p:blipFill rotWithShape="1">
+          <a:blip r:embed="rId3">
+            <a:extLst>
+              <a:ext uri="{28A0092B-C50C-407E-A947-70E740481C1C}">
+                <a14:useLocalDpi xmlns:a14="http://schemas.microsoft.com/office/drawing/2010/main" val="0"/>
+              </a:ext>
+            </a:extLst>
+          </a:blip>
+          <a:srcRect l="3644"/>
+          <a:stretch/>
+        </p:blipFill>
+        <p:spPr>
+          <a:xfrm>
+            <a:off x="0" y="2669685"/>
+            <a:ext cx="4035669" cy="4188315"/>
+          </a:xfrm>
+          <a:prstGeom prst="rect">
+            <a:avLst/>
+          </a:prstGeom>
+        </p:spPr>
+      </p:pic>
+      <p:pic>
+        <p:nvPicPr>
+          <p:cNvPr id="12" name="Picture 11">
+            <a:extLst>
+              <a:ext uri="{FF2B5EF4-FFF2-40B4-BE49-F238E27FC236}">
+                <a16:creationId xmlns:a16="http://schemas.microsoft.com/office/drawing/2014/main" id="{117B7C8B-175B-4009-808B-9F66FD108AB3}"/>
+              </a:ext>
+            </a:extLst>
+          </p:cNvPr>
+          <p:cNvPicPr>
+            <a:picLocks noGrp="1" noRot="1" noChangeAspect="1" noMove="1" noResize="1" noEditPoints="1" noAdjustHandles="1" noChangeArrowheads="1" noChangeShapeType="1" noCrop="1"/>
+          </p:cNvPicPr>
+          <p:nvPr>
+            <p:extLst>
+              <p:ext uri="{386F3935-93C4-4BCD-93E2-E3B085C9AB24}">
+                <p16:designElem xmlns:p16="http://schemas.microsoft.com/office/powerpoint/2015/main" val="1"/>
+              </p:ext>
+            </p:extLst>
+          </p:nvPr>
+        </p:nvPicPr>
+        <p:blipFill rotWithShape="1">
+          <a:blip r:embed="rId4">
+            <a:extLst>
+              <a:ext uri="{28A0092B-C50C-407E-A947-70E740481C1C}">
+                <a14:useLocalDpi xmlns:a14="http://schemas.microsoft.com/office/drawing/2010/main" val="0"/>
+              </a:ext>
+            </a:extLst>
+          </a:blip>
+          <a:srcRect l="35640"/>
+          <a:stretch/>
+        </p:blipFill>
+        <p:spPr>
+          <a:xfrm>
+            <a:off x="0" y="2892347"/>
+            <a:ext cx="1522412" cy="2365453"/>
+          </a:xfrm>
+          <a:prstGeom prst="rect">
+            <a:avLst/>
+          </a:prstGeom>
+        </p:spPr>
+      </p:pic>
+      <p:sp>
+        <p:nvSpPr>
+          <p:cNvPr id="14" name="Oval 13">
+            <a:extLst>
+              <a:ext uri="{FF2B5EF4-FFF2-40B4-BE49-F238E27FC236}">
+                <a16:creationId xmlns:a16="http://schemas.microsoft.com/office/drawing/2014/main" id="{FE5ECD52-6A23-4FF4-8C32-7B5DE9973ADA}"/>
+              </a:ext>
+            </a:extLst>
+          </p:cNvPr>
+          <p:cNvSpPr>
+            <a:spLocks noGrp="1" noRot="1" noChangeAspect="1" noMove="1" noResize="1" noEditPoints="1" noAdjustHandles="1" noChangeArrowheads="1" noChangeShapeType="1" noTextEdit="1"/>
+          </p:cNvSpPr>
+          <p:nvPr>
+            <p:extLst>
+              <p:ext uri="{386F3935-93C4-4BCD-93E2-E3B085C9AB24}">
+                <p16:designElem xmlns:p16="http://schemas.microsoft.com/office/powerpoint/2015/main" val="1"/>
+              </p:ext>
+            </p:extLst>
+          </p:nvPr>
+        </p:nvSpPr>
+        <p:spPr>
+          <a:xfrm>
+            <a:off x="8609012" y="1676400"/>
+            <a:ext cx="2819400" cy="2819400"/>
+          </a:xfrm>
+          <a:prstGeom prst="ellipse">
+            <a:avLst/>
+          </a:prstGeom>
+          <a:gradFill flip="none" rotWithShape="1">
+            <a:gsLst>
+              <a:gs pos="0">
+                <a:schemeClr val="accent5">
+                  <a:alpha val="7000"/>
+                </a:schemeClr>
+              </a:gs>
+              <a:gs pos="69000">
+                <a:schemeClr val="accent5">
+                  <a:alpha val="0"/>
+                </a:schemeClr>
+              </a:gs>
+              <a:gs pos="36000">
+                <a:schemeClr val="accent5">
+                  <a:alpha val="6000"/>
+                </a:schemeClr>
+              </a:gs>
+            </a:gsLst>
+            <a:path path="circle">
+              <a:fillToRect l="50000" t="50000" r="50000" b="50000"/>
+            </a:path>
+            <a:tileRect/>
+          </a:gradFill>
+          <a:ln>
+            <a:noFill/>
+          </a:ln>
+          <a:effectLst/>
+        </p:spPr>
+        <p:style>
+          <a:lnRef idx="1">
+            <a:schemeClr val="accent1"/>
+          </a:lnRef>
+          <a:fillRef idx="3">
+            <a:schemeClr val="accent1"/>
+          </a:fillRef>
+          <a:effectRef idx="2">
+            <a:schemeClr val="accent1"/>
+          </a:effectRef>
+          <a:fontRef idx="minor">
+            <a:schemeClr val="lt1"/>
+          </a:fontRef>
+        </p:style>
+      </p:sp>
+      <p:pic>
+        <p:nvPicPr>
+          <p:cNvPr id="16" name="Picture 15">
+            <a:extLst>
+              <a:ext uri="{FF2B5EF4-FFF2-40B4-BE49-F238E27FC236}">
+                <a16:creationId xmlns:a16="http://schemas.microsoft.com/office/drawing/2014/main" id="{5C3F2B96-5F34-41C9-8E37-A9CD279A4270}"/>
+              </a:ext>
+            </a:extLst>
+          </p:cNvPr>
+          <p:cNvPicPr>
+            <a:picLocks noGrp="1" noRot="1" noChangeAspect="1" noMove="1" noResize="1" noEditPoints="1" noAdjustHandles="1" noChangeArrowheads="1" noChangeShapeType="1" noCrop="1"/>
+          </p:cNvPicPr>
+          <p:nvPr>
+            <p:extLst>
+              <p:ext uri="{386F3935-93C4-4BCD-93E2-E3B085C9AB24}">
+                <p16:designElem xmlns:p16="http://schemas.microsoft.com/office/powerpoint/2015/main" val="1"/>
+              </p:ext>
+            </p:extLst>
+          </p:nvPr>
+        </p:nvPicPr>
+        <p:blipFill rotWithShape="1">
+          <a:blip r:embed="rId5">
+            <a:extLst>
+              <a:ext uri="{28A0092B-C50C-407E-A947-70E740481C1C}">
+                <a14:useLocalDpi xmlns:a14="http://schemas.microsoft.com/office/drawing/2010/main" val="0"/>
+              </a:ext>
+            </a:extLst>
+          </a:blip>
+          <a:srcRect t="28813"/>
+          <a:stretch/>
+        </p:blipFill>
+        <p:spPr>
+          <a:xfrm>
+            <a:off x="7999412" y="0"/>
+            <a:ext cx="1603387" cy="1141407"/>
+          </a:xfrm>
+          <a:prstGeom prst="rect">
+            <a:avLst/>
+          </a:prstGeom>
+        </p:spPr>
+      </p:pic>
+      <p:pic>
+        <p:nvPicPr>
+          <p:cNvPr id="18" name="Picture 17">
+            <a:extLst>
+              <a:ext uri="{FF2B5EF4-FFF2-40B4-BE49-F238E27FC236}">
+                <a16:creationId xmlns:a16="http://schemas.microsoft.com/office/drawing/2014/main" id="{9A4E02BF-4F0E-44E2-A489-075900B7866C}"/>
+              </a:ext>
+            </a:extLst>
+          </p:cNvPr>
+          <p:cNvPicPr>
+            <a:picLocks noGrp="1" noRot="1" noChangeAspect="1" noMove="1" noResize="1" noEditPoints="1" noAdjustHandles="1" noChangeArrowheads="1" noChangeShapeType="1" noCrop="1"/>
+          </p:cNvPicPr>
+          <p:nvPr>
+            <p:extLst>
+              <p:ext uri="{386F3935-93C4-4BCD-93E2-E3B085C9AB24}">
+                <p16:designElem xmlns:p16="http://schemas.microsoft.com/office/powerpoint/2015/main" val="1"/>
+              </p:ext>
+            </p:extLst>
+          </p:nvPr>
+        </p:nvPicPr>
+        <p:blipFill rotWithShape="1">
+          <a:blip r:embed="rId6">
+            <a:extLst>
+              <a:ext uri="{28A0092B-C50C-407E-A947-70E740481C1C}">
+                <a14:useLocalDpi xmlns:a14="http://schemas.microsoft.com/office/drawing/2010/main" val="0"/>
+              </a:ext>
+            </a:extLst>
+          </a:blip>
+          <a:srcRect b="23320"/>
+          <a:stretch/>
+        </p:blipFill>
+        <p:spPr>
+          <a:xfrm>
+            <a:off x="8609012" y="6096000"/>
+            <a:ext cx="993734" cy="762000"/>
+          </a:xfrm>
+          <a:prstGeom prst="rect">
+            <a:avLst/>
+          </a:prstGeom>
+        </p:spPr>
+      </p:pic>
+      <p:sp>
+        <p:nvSpPr>
+          <p:cNvPr id="20" name="Rectangle 19">
+            <a:extLst>
+              <a:ext uri="{FF2B5EF4-FFF2-40B4-BE49-F238E27FC236}">
+                <a16:creationId xmlns:a16="http://schemas.microsoft.com/office/drawing/2014/main" id="{45624C63-3CCA-4EA6-B822-6E710A82062B}"/>
+              </a:ext>
+            </a:extLst>
+          </p:cNvPr>
+          <p:cNvSpPr>
+            <a:spLocks noGrp="1" noRot="1" noChangeAspect="1" noMove="1" noResize="1" noEditPoints="1" noAdjustHandles="1" noChangeArrowheads="1" noChangeShapeType="1" noTextEdit="1"/>
+          </p:cNvSpPr>
+          <p:nvPr>
+            <p:extLst>
+              <p:ext uri="{386F3935-93C4-4BCD-93E2-E3B085C9AB24}">
+                <p16:designElem xmlns:p16="http://schemas.microsoft.com/office/powerpoint/2015/main" val="1"/>
+              </p:ext>
+            </p:extLst>
+          </p:nvPr>
+        </p:nvSpPr>
+        <p:spPr>
+          <a:xfrm>
+            <a:off x="10437812" y="0"/>
+            <a:ext cx="685800" cy="1143000"/>
+          </a:xfrm>
+          <a:prstGeom prst="rect">
+            <a:avLst/>
+          </a:prstGeom>
+          <a:solidFill>
+            <a:schemeClr val="accent1"/>
+          </a:solidFill>
+          <a:ln>
+            <a:noFill/>
+          </a:ln>
+        </p:spPr>
+        <p:style>
+          <a:lnRef idx="1">
+            <a:schemeClr val="accent1"/>
+          </a:lnRef>
+          <a:fillRef idx="3">
+            <a:schemeClr val="accent1"/>
+          </a:fillRef>
+          <a:effectRef idx="2">
+            <a:schemeClr val="accent1"/>
+          </a:effectRef>
+          <a:fontRef idx="minor">
+            <a:schemeClr val="lt1"/>
+          </a:fontRef>
+        </p:style>
+      </p:sp>
+      <p:pic>
+        <p:nvPicPr>
+          <p:cNvPr id="5" name="מציין מיקום תוכן 4">
+            <a:extLst>
+              <a:ext uri="{FF2B5EF4-FFF2-40B4-BE49-F238E27FC236}">
+                <a16:creationId xmlns:a16="http://schemas.microsoft.com/office/drawing/2014/main" id="{1F880970-4569-4A7F-9AE4-BD30F6CE2224}"/>
+              </a:ext>
+            </a:extLst>
+          </p:cNvPr>
+          <p:cNvPicPr>
+            <a:picLocks noGrp="1" noChangeAspect="1"/>
+          </p:cNvPicPr>
+          <p:nvPr>
+            <p:ph idx="1"/>
+          </p:nvPr>
+        </p:nvPicPr>
+        <p:blipFill rotWithShape="1">
+          <a:blip r:embed="rId7">
+            <a:duotone>
+              <a:prstClr val="black"/>
+              <a:schemeClr val="accent5">
+                <a:tint val="45000"/>
+                <a:satMod val="400000"/>
+              </a:schemeClr>
+            </a:duotone>
+            <a:alphaModFix amt="25000"/>
+            <a:extLst>
+              <a:ext uri="{28A0092B-C50C-407E-A947-70E740481C1C}">
+                <a14:useLocalDpi xmlns:a14="http://schemas.microsoft.com/office/drawing/2010/main" val="0"/>
+              </a:ext>
+            </a:extLst>
+          </a:blip>
+          <a:srcRect t="9091" r="9091"/>
+          <a:stretch/>
+        </p:blipFill>
+        <p:spPr>
+          <a:xfrm>
+            <a:off x="20" y="10"/>
+            <a:ext cx="12191980" cy="6857990"/>
+          </a:xfrm>
+          <a:prstGeom prst="rect">
+            <a:avLst/>
+          </a:prstGeom>
+        </p:spPr>
+      </p:pic>
+      <p:sp>
+        <p:nvSpPr>
+          <p:cNvPr id="22" name="Rectangle 21">
+            <a:extLst>
+              <a:ext uri="{FF2B5EF4-FFF2-40B4-BE49-F238E27FC236}">
+                <a16:creationId xmlns:a16="http://schemas.microsoft.com/office/drawing/2014/main" id="{C4731D99-FE94-40AD-B267-E598F798859A}"/>
+              </a:ext>
+            </a:extLst>
+          </p:cNvPr>
+          <p:cNvSpPr>
+            <a:spLocks noGrp="1" noRot="1" noChangeAspect="1" noMove="1" noResize="1" noEditPoints="1" noAdjustHandles="1" noChangeArrowheads="1" noChangeShapeType="1" noTextEdit="1"/>
+          </p:cNvSpPr>
+          <p:nvPr>
+            <p:extLst>
+              <p:ext uri="{386F3935-93C4-4BCD-93E2-E3B085C9AB24}">
+                <p16:designElem xmlns:p16="http://schemas.microsoft.com/office/powerpoint/2015/main" val="1"/>
+              </p:ext>
+            </p:extLst>
+          </p:nvPr>
+        </p:nvSpPr>
+        <p:spPr>
+          <a:xfrm>
+            <a:off x="10437812" y="0"/>
+            <a:ext cx="685800" cy="1143000"/>
+          </a:xfrm>
+          <a:prstGeom prst="rect">
+            <a:avLst/>
+          </a:prstGeom>
+          <a:solidFill>
+            <a:schemeClr val="accent1"/>
+          </a:solidFill>
+          <a:ln>
+            <a:noFill/>
+          </a:ln>
+        </p:spPr>
+        <p:style>
+          <a:lnRef idx="1">
+            <a:schemeClr val="accent1"/>
+          </a:lnRef>
+          <a:fillRef idx="3">
+            <a:schemeClr val="accent1"/>
+          </a:fillRef>
+          <a:effectRef idx="2">
+            <a:schemeClr val="accent1"/>
+          </a:effectRef>
+          <a:fontRef idx="minor">
+            <a:schemeClr val="lt1"/>
+          </a:fontRef>
+        </p:style>
+      </p:sp>
+      <p:sp>
+        <p:nvSpPr>
+          <p:cNvPr id="2" name="כותרת 1">
+            <a:extLst>
+              <a:ext uri="{FF2B5EF4-FFF2-40B4-BE49-F238E27FC236}">
+                <a16:creationId xmlns:a16="http://schemas.microsoft.com/office/drawing/2014/main" id="{253A9B66-76E5-4007-8ABF-1303A95E99D3}"/>
+              </a:ext>
+            </a:extLst>
+          </p:cNvPr>
+          <p:cNvSpPr>
+            <a:spLocks noGrp="1"/>
+          </p:cNvSpPr>
+          <p:nvPr>
+            <p:ph type="title"/>
+          </p:nvPr>
+        </p:nvSpPr>
+        <p:spPr>
+          <a:xfrm>
+            <a:off x="1154955" y="1447800"/>
+            <a:ext cx="8825658" cy="3329581"/>
+          </a:xfrm>
+        </p:spPr>
+        <p:txBody>
+          <a:bodyPr vert="horz" lIns="91440" tIns="45720" rIns="91440" bIns="45720" rtlCol="0" anchor="b">
+            <a:normAutofit/>
+          </a:bodyPr>
+          <a:lstStyle/>
+          <a:p>
+            <a:pPr rtl="0"/>
+            <a:r>
+              <a:rPr lang="en-US" sz="7200" dirty="0"/>
+              <a:t>HTML lives in browsers</a:t>
+            </a:r>
+          </a:p>
+        </p:txBody>
+      </p:sp>
+    </p:spTree>
+    <p:extLst>
+      <p:ext uri="{BB962C8B-B14F-4D97-AF65-F5344CB8AC3E}">
+        <p14:creationId xmlns:p14="http://schemas.microsoft.com/office/powerpoint/2010/main" val="186563586"/>
+      </p:ext>
+    </p:extLst>
+  </p:cSld>
+  <p:clrMapOvr>
+    <a:masterClrMapping/>
+  </p:clrMapOvr>
+</p:sld>
+</file>
+
+<file path=ppt/slides/slide14.xml><?xml version="1.0" encoding="utf-8"?>
 <p:sld xmlns:a="http://schemas.openxmlformats.org/drawingml/2006/main" xmlns:r="http://schemas.openxmlformats.org/officeDocument/2006/relationships" xmlns:p="http://schemas.openxmlformats.org/presentationml/2006/main">
   <p:cSld>
     <p:spTree>
@@ -6541,7 +7002,7 @@
           <p:cNvPr id="2" name="כותרת 1">
             <a:extLst>
               <a:ext uri="{FF2B5EF4-FFF2-40B4-BE49-F238E27FC236}">
-                <a16:creationId xmlns:a16="http://schemas.microsoft.com/office/drawing/2014/main" id="{1D570487-B231-4B12-B4D8-432B0914C2FE}"/>
+                <a16:creationId xmlns:a16="http://schemas.microsoft.com/office/drawing/2014/main" id="{E3F5E3BC-67E5-43AA-A7AA-5708895851EF}"/>
               </a:ext>
             </a:extLst>
           </p:cNvPr>
@@ -6559,7 +7020,7 @@
           <a:p>
             <a:r>
               <a:rPr lang="en-US" dirty="0"/>
-              <a:t>HTML render sequence</a:t>
+              <a:t>How browsers work</a:t>
             </a:r>
             <a:endParaRPr lang="he-IL" dirty="0"/>
           </a:p>
@@ -6567,10 +7028,967 @@
       </p:sp>
       <p:pic>
         <p:nvPicPr>
-          <p:cNvPr id="3" name="תמונה 2">
+          <p:cNvPr id="5" name="גרפיקה 4" descr="מסד נתונים">
             <a:extLst>
               <a:ext uri="{FF2B5EF4-FFF2-40B4-BE49-F238E27FC236}">
-                <a16:creationId xmlns:a16="http://schemas.microsoft.com/office/drawing/2014/main" id="{85470D4C-6332-4CC2-A311-956E9A07C3D4}"/>
+                <a16:creationId xmlns:a16="http://schemas.microsoft.com/office/drawing/2014/main" id="{E95C94C9-7C4B-415C-8CC3-12F1F0A6B3BB}"/>
+              </a:ext>
+            </a:extLst>
+          </p:cNvPr>
+          <p:cNvPicPr>
+            <a:picLocks noChangeAspect="1"/>
+          </p:cNvPicPr>
+          <p:nvPr/>
+        </p:nvPicPr>
+        <p:blipFill>
+          <a:blip r:embed="rId2">
+            <a:extLst>
+              <a:ext uri="{28A0092B-C50C-407E-A947-70E740481C1C}">
+                <a14:useLocalDpi xmlns:a14="http://schemas.microsoft.com/office/drawing/2010/main" val="0"/>
+              </a:ext>
+              <a:ext uri="{96DAC541-7B7A-43D3-8B79-37D633B846F1}">
+                <asvg:svgBlip xmlns:asvg="http://schemas.microsoft.com/office/drawing/2016/SVG/main" r:embed="rId3"/>
+              </a:ext>
+            </a:extLst>
+          </a:blip>
+          <a:stretch>
+            <a:fillRect/>
+          </a:stretch>
+        </p:blipFill>
+        <p:spPr>
+          <a:xfrm>
+            <a:off x="1969589" y="2859215"/>
+            <a:ext cx="914400" cy="914400"/>
+          </a:xfrm>
+          <a:prstGeom prst="rect">
+            <a:avLst/>
+          </a:prstGeom>
+        </p:spPr>
+      </p:pic>
+      <p:pic>
+        <p:nvPicPr>
+          <p:cNvPr id="8" name="גרפיקה 7" descr="שרת">
+            <a:extLst>
+              <a:ext uri="{FF2B5EF4-FFF2-40B4-BE49-F238E27FC236}">
+                <a16:creationId xmlns:a16="http://schemas.microsoft.com/office/drawing/2014/main" id="{6B8E2634-2DB9-48F6-8456-3A18352104E1}"/>
+              </a:ext>
+            </a:extLst>
+          </p:cNvPr>
+          <p:cNvPicPr>
+            <a:picLocks noChangeAspect="1"/>
+          </p:cNvPicPr>
+          <p:nvPr/>
+        </p:nvPicPr>
+        <p:blipFill>
+          <a:blip r:embed="rId4">
+            <a:extLst>
+              <a:ext uri="{28A0092B-C50C-407E-A947-70E740481C1C}">
+                <a14:useLocalDpi xmlns:a14="http://schemas.microsoft.com/office/drawing/2010/main" val="0"/>
+              </a:ext>
+              <a:ext uri="{96DAC541-7B7A-43D3-8B79-37D633B846F1}">
+                <asvg:svgBlip xmlns:asvg="http://schemas.microsoft.com/office/drawing/2016/SVG/main" r:embed="rId5"/>
+              </a:ext>
+            </a:extLst>
+          </a:blip>
+          <a:stretch>
+            <a:fillRect/>
+          </a:stretch>
+        </p:blipFill>
+        <p:spPr>
+          <a:xfrm>
+            <a:off x="5402214" y="2859215"/>
+            <a:ext cx="914400" cy="914400"/>
+          </a:xfrm>
+          <a:prstGeom prst="rect">
+            <a:avLst/>
+          </a:prstGeom>
+        </p:spPr>
+      </p:pic>
+      <p:pic>
+        <p:nvPicPr>
+          <p:cNvPr id="10" name="גרפיקה 9" descr="מחשב נייד">
+            <a:extLst>
+              <a:ext uri="{FF2B5EF4-FFF2-40B4-BE49-F238E27FC236}">
+                <a16:creationId xmlns:a16="http://schemas.microsoft.com/office/drawing/2014/main" id="{AED47EEE-96F2-428C-9CB4-9EC26E5613FA}"/>
+              </a:ext>
+            </a:extLst>
+          </p:cNvPr>
+          <p:cNvPicPr>
+            <a:picLocks noChangeAspect="1"/>
+          </p:cNvPicPr>
+          <p:nvPr/>
+        </p:nvPicPr>
+        <p:blipFill>
+          <a:blip r:embed="rId6">
+            <a:extLst>
+              <a:ext uri="{28A0092B-C50C-407E-A947-70E740481C1C}">
+                <a14:useLocalDpi xmlns:a14="http://schemas.microsoft.com/office/drawing/2010/main" val="0"/>
+              </a:ext>
+              <a:ext uri="{96DAC541-7B7A-43D3-8B79-37D633B846F1}">
+                <asvg:svgBlip xmlns:asvg="http://schemas.microsoft.com/office/drawing/2016/SVG/main" r:embed="rId7"/>
+              </a:ext>
+            </a:extLst>
+          </a:blip>
+          <a:stretch>
+            <a:fillRect/>
+          </a:stretch>
+        </p:blipFill>
+        <p:spPr>
+          <a:xfrm>
+            <a:off x="8850811" y="2859215"/>
+            <a:ext cx="914400" cy="914400"/>
+          </a:xfrm>
+          <a:prstGeom prst="rect">
+            <a:avLst/>
+          </a:prstGeom>
+        </p:spPr>
+      </p:pic>
+      <p:cxnSp>
+        <p:nvCxnSpPr>
+          <p:cNvPr id="12" name="מחבר חץ ישר 11">
+            <a:extLst>
+              <a:ext uri="{FF2B5EF4-FFF2-40B4-BE49-F238E27FC236}">
+                <a16:creationId xmlns:a16="http://schemas.microsoft.com/office/drawing/2014/main" id="{A27D3300-D949-4192-819F-7A5C846E60A4}"/>
+              </a:ext>
+            </a:extLst>
+          </p:cNvPr>
+          <p:cNvCxnSpPr>
+            <a:cxnSpLocks/>
+            <a:stCxn id="8" idx="1"/>
+            <a:endCxn id="5" idx="3"/>
+          </p:cNvCxnSpPr>
+          <p:nvPr/>
+        </p:nvCxnSpPr>
+        <p:spPr>
+          <a:xfrm flipH="1">
+            <a:off x="2883989" y="3316415"/>
+            <a:ext cx="2518225" cy="0"/>
+          </a:xfrm>
+          <a:prstGeom prst="straightConnector1">
+            <a:avLst/>
+          </a:prstGeom>
+          <a:ln>
+            <a:solidFill>
+              <a:schemeClr val="tx1"/>
+            </a:solidFill>
+            <a:headEnd type="arrow" w="med" len="med"/>
+            <a:tailEnd type="arrow" w="med" len="med"/>
+          </a:ln>
+        </p:spPr>
+        <p:style>
+          <a:lnRef idx="1">
+            <a:schemeClr val="accent1"/>
+          </a:lnRef>
+          <a:fillRef idx="0">
+            <a:schemeClr val="accent1"/>
+          </a:fillRef>
+          <a:effectRef idx="0">
+            <a:schemeClr val="accent1"/>
+          </a:effectRef>
+          <a:fontRef idx="minor">
+            <a:schemeClr val="tx1"/>
+          </a:fontRef>
+        </p:style>
+      </p:cxnSp>
+      <p:cxnSp>
+        <p:nvCxnSpPr>
+          <p:cNvPr id="13" name="מחבר חץ ישר 12">
+            <a:extLst>
+              <a:ext uri="{FF2B5EF4-FFF2-40B4-BE49-F238E27FC236}">
+                <a16:creationId xmlns:a16="http://schemas.microsoft.com/office/drawing/2014/main" id="{004F1A6D-9C03-4197-BDFB-5DE1E5214606}"/>
+              </a:ext>
+            </a:extLst>
+          </p:cNvPr>
+          <p:cNvCxnSpPr>
+            <a:cxnSpLocks/>
+            <a:stCxn id="8" idx="3"/>
+            <a:endCxn id="10" idx="1"/>
+          </p:cNvCxnSpPr>
+          <p:nvPr/>
+        </p:nvCxnSpPr>
+        <p:spPr>
+          <a:xfrm>
+            <a:off x="6316614" y="3316415"/>
+            <a:ext cx="2534197" cy="0"/>
+          </a:xfrm>
+          <a:prstGeom prst="straightConnector1">
+            <a:avLst/>
+          </a:prstGeom>
+          <a:ln>
+            <a:solidFill>
+              <a:schemeClr val="tx1"/>
+            </a:solidFill>
+            <a:headEnd type="arrow" w="med" len="med"/>
+            <a:tailEnd type="arrow" w="med" len="med"/>
+          </a:ln>
+        </p:spPr>
+        <p:style>
+          <a:lnRef idx="1">
+            <a:schemeClr val="accent1"/>
+          </a:lnRef>
+          <a:fillRef idx="0">
+            <a:schemeClr val="accent1"/>
+          </a:fillRef>
+          <a:effectRef idx="0">
+            <a:schemeClr val="accent1"/>
+          </a:effectRef>
+          <a:fontRef idx="minor">
+            <a:schemeClr val="tx1"/>
+          </a:fontRef>
+        </p:style>
+      </p:cxnSp>
+      <p:sp>
+        <p:nvSpPr>
+          <p:cNvPr id="26" name="מלבן: פינה מקופלת 25">
+            <a:extLst>
+              <a:ext uri="{FF2B5EF4-FFF2-40B4-BE49-F238E27FC236}">
+                <a16:creationId xmlns:a16="http://schemas.microsoft.com/office/drawing/2014/main" id="{1520A0D7-7AA2-4F0D-B6FA-4DF1732A05D1}"/>
+              </a:ext>
+            </a:extLst>
+          </p:cNvPr>
+          <p:cNvSpPr/>
+          <p:nvPr/>
+        </p:nvSpPr>
+        <p:spPr>
+          <a:xfrm>
+            <a:off x="6613041" y="1856594"/>
+            <a:ext cx="1941341" cy="1026929"/>
+          </a:xfrm>
+          <a:prstGeom prst="foldedCorner">
+            <a:avLst/>
+          </a:prstGeom>
+        </p:spPr>
+        <p:style>
+          <a:lnRef idx="2">
+            <a:schemeClr val="accent1">
+              <a:shade val="50000"/>
+            </a:schemeClr>
+          </a:lnRef>
+          <a:fillRef idx="1">
+            <a:schemeClr val="accent1"/>
+          </a:fillRef>
+          <a:effectRef idx="0">
+            <a:schemeClr val="accent1"/>
+          </a:effectRef>
+          <a:fontRef idx="minor">
+            <a:schemeClr val="lt1"/>
+          </a:fontRef>
+        </p:style>
+        <p:txBody>
+          <a:bodyPr rtlCol="1" anchor="ctr"/>
+          <a:lstStyle/>
+          <a:p>
+            <a:pPr algn="ctr"/>
+            <a:r>
+              <a:rPr lang="en-US" dirty="0"/>
+              <a:t>HTML,CSS, JS</a:t>
+            </a:r>
+            <a:endParaRPr lang="he-IL" dirty="0"/>
+          </a:p>
+        </p:txBody>
+      </p:sp>
+      <p:sp>
+        <p:nvSpPr>
+          <p:cNvPr id="27" name="מלבן: פינה מקופלת 26">
+            <a:extLst>
+              <a:ext uri="{FF2B5EF4-FFF2-40B4-BE49-F238E27FC236}">
+                <a16:creationId xmlns:a16="http://schemas.microsoft.com/office/drawing/2014/main" id="{B7C08570-9248-45C0-9E72-467FF4C6CA7B}"/>
+              </a:ext>
+            </a:extLst>
+          </p:cNvPr>
+          <p:cNvSpPr/>
+          <p:nvPr/>
+        </p:nvSpPr>
+        <p:spPr>
+          <a:xfrm>
+            <a:off x="3312658" y="3541586"/>
+            <a:ext cx="1132733" cy="805332"/>
+          </a:xfrm>
+          <a:prstGeom prst="foldedCorner">
+            <a:avLst/>
+          </a:prstGeom>
+        </p:spPr>
+        <p:style>
+          <a:lnRef idx="2">
+            <a:schemeClr val="accent1">
+              <a:shade val="50000"/>
+            </a:schemeClr>
+          </a:lnRef>
+          <a:fillRef idx="1">
+            <a:schemeClr val="accent1"/>
+          </a:fillRef>
+          <a:effectRef idx="0">
+            <a:schemeClr val="accent1"/>
+          </a:effectRef>
+          <a:fontRef idx="minor">
+            <a:schemeClr val="lt1"/>
+          </a:fontRef>
+        </p:style>
+        <p:txBody>
+          <a:bodyPr rtlCol="1" anchor="ctr"/>
+          <a:lstStyle/>
+          <a:p>
+            <a:pPr algn="ctr"/>
+            <a:r>
+              <a:rPr lang="en-US" dirty="0"/>
+              <a:t>JSON</a:t>
+            </a:r>
+            <a:endParaRPr lang="he-IL" dirty="0"/>
+          </a:p>
+        </p:txBody>
+      </p:sp>
+      <p:sp>
+        <p:nvSpPr>
+          <p:cNvPr id="28" name="מלבן: פינה מקופלת 27">
+            <a:extLst>
+              <a:ext uri="{FF2B5EF4-FFF2-40B4-BE49-F238E27FC236}">
+                <a16:creationId xmlns:a16="http://schemas.microsoft.com/office/drawing/2014/main" id="{B61A66F0-0094-42C9-AE39-39416E521FA1}"/>
+              </a:ext>
+            </a:extLst>
+          </p:cNvPr>
+          <p:cNvSpPr/>
+          <p:nvPr/>
+        </p:nvSpPr>
+        <p:spPr>
+          <a:xfrm>
+            <a:off x="7003497" y="3541586"/>
+            <a:ext cx="1132733" cy="805332"/>
+          </a:xfrm>
+          <a:prstGeom prst="foldedCorner">
+            <a:avLst/>
+          </a:prstGeom>
+        </p:spPr>
+        <p:style>
+          <a:lnRef idx="2">
+            <a:schemeClr val="accent1">
+              <a:shade val="50000"/>
+            </a:schemeClr>
+          </a:lnRef>
+          <a:fillRef idx="1">
+            <a:schemeClr val="accent1"/>
+          </a:fillRef>
+          <a:effectRef idx="0">
+            <a:schemeClr val="accent1"/>
+          </a:effectRef>
+          <a:fontRef idx="minor">
+            <a:schemeClr val="lt1"/>
+          </a:fontRef>
+        </p:style>
+        <p:txBody>
+          <a:bodyPr rtlCol="1" anchor="ctr"/>
+          <a:lstStyle/>
+          <a:p>
+            <a:pPr algn="ctr"/>
+            <a:r>
+              <a:rPr lang="en-US" dirty="0"/>
+              <a:t>JSON</a:t>
+            </a:r>
+            <a:endParaRPr lang="he-IL" dirty="0"/>
+          </a:p>
+        </p:txBody>
+      </p:sp>
+    </p:spTree>
+    <p:extLst>
+      <p:ext uri="{BB962C8B-B14F-4D97-AF65-F5344CB8AC3E}">
+        <p14:creationId xmlns:p14="http://schemas.microsoft.com/office/powerpoint/2010/main" val="398767418"/>
+      </p:ext>
+    </p:extLst>
+  </p:cSld>
+  <p:clrMapOvr>
+    <a:masterClrMapping/>
+  </p:clrMapOvr>
+</p:sld>
+</file>
+
+<file path=ppt/slides/slide15.xml><?xml version="1.0" encoding="utf-8"?>
+<p:sld xmlns:a="http://schemas.openxmlformats.org/drawingml/2006/main" xmlns:r="http://schemas.openxmlformats.org/officeDocument/2006/relationships" xmlns:p="http://schemas.openxmlformats.org/presentationml/2006/main">
+  <p:cSld>
+    <p:spTree>
+      <p:nvGrpSpPr>
+        <p:cNvPr id="1" name=""/>
+        <p:cNvGrpSpPr/>
+        <p:nvPr/>
+      </p:nvGrpSpPr>
+      <p:grpSpPr>
+        <a:xfrm>
+          <a:off x="0" y="0"/>
+          <a:ext cx="0" cy="0"/>
+          <a:chOff x="0" y="0"/>
+          <a:chExt cx="0" cy="0"/>
+        </a:xfrm>
+      </p:grpSpPr>
+      <p:sp>
+        <p:nvSpPr>
+          <p:cNvPr id="2" name="כותרת 1">
+            <a:extLst>
+              <a:ext uri="{FF2B5EF4-FFF2-40B4-BE49-F238E27FC236}">
+                <a16:creationId xmlns:a16="http://schemas.microsoft.com/office/drawing/2014/main" id="{E3F5E3BC-67E5-43AA-A7AA-5708895851EF}"/>
+              </a:ext>
+            </a:extLst>
+          </p:cNvPr>
+          <p:cNvSpPr>
+            <a:spLocks noGrp="1"/>
+          </p:cNvSpPr>
+          <p:nvPr>
+            <p:ph type="title"/>
+          </p:nvPr>
+        </p:nvSpPr>
+        <p:spPr/>
+        <p:txBody>
+          <a:bodyPr/>
+          <a:lstStyle/>
+          <a:p>
+            <a:r>
+              <a:rPr lang="en-US" dirty="0"/>
+              <a:t>How browsers work</a:t>
+            </a:r>
+            <a:endParaRPr lang="he-IL" dirty="0"/>
+          </a:p>
+        </p:txBody>
+      </p:sp>
+      <p:sp>
+        <p:nvSpPr>
+          <p:cNvPr id="4" name="מלבן 3">
+            <a:extLst>
+              <a:ext uri="{FF2B5EF4-FFF2-40B4-BE49-F238E27FC236}">
+                <a16:creationId xmlns:a16="http://schemas.microsoft.com/office/drawing/2014/main" id="{1420EEE2-F6F2-4C57-A5FF-94793B25EEA8}"/>
+              </a:ext>
+            </a:extLst>
+          </p:cNvPr>
+          <p:cNvSpPr/>
+          <p:nvPr/>
+        </p:nvSpPr>
+        <p:spPr>
+          <a:xfrm>
+            <a:off x="646111" y="5934174"/>
+            <a:ext cx="10228215" cy="646331"/>
+          </a:xfrm>
+          <a:prstGeom prst="rect">
+            <a:avLst/>
+          </a:prstGeom>
+        </p:spPr>
+        <p:txBody>
+          <a:bodyPr wrap="square">
+            <a:spAutoFit/>
+          </a:bodyPr>
+          <a:lstStyle/>
+          <a:p>
+            <a:r>
+              <a:rPr lang="he-IL" dirty="0"/>
+              <a:t>https://developers.google.com/web/fundamentals/performance/critical-rendering-path/render-tree-construction</a:t>
+            </a:r>
+          </a:p>
+        </p:txBody>
+      </p:sp>
+      <p:pic>
+        <p:nvPicPr>
+          <p:cNvPr id="6" name="תמונה 5" descr="תמונה שמכילה טקסט, מפה&#10;&#10;תיאור שנוצר ברמת מהימנות גבוהה מאוד">
+            <a:extLst>
+              <a:ext uri="{FF2B5EF4-FFF2-40B4-BE49-F238E27FC236}">
+                <a16:creationId xmlns:a16="http://schemas.microsoft.com/office/drawing/2014/main" id="{9C03C6F4-EDDA-44D7-AAFE-C100A254B34C}"/>
+              </a:ext>
+            </a:extLst>
+          </p:cNvPr>
+          <p:cNvPicPr>
+            <a:picLocks noChangeAspect="1"/>
+          </p:cNvPicPr>
+          <p:nvPr/>
+        </p:nvPicPr>
+        <p:blipFill>
+          <a:blip r:embed="rId2">
+            <a:extLst>
+              <a:ext uri="{28A0092B-C50C-407E-A947-70E740481C1C}">
+                <a14:useLocalDpi xmlns:a14="http://schemas.microsoft.com/office/drawing/2010/main" val="0"/>
+              </a:ext>
+            </a:extLst>
+          </a:blip>
+          <a:stretch>
+            <a:fillRect/>
+          </a:stretch>
+        </p:blipFill>
+        <p:spPr>
+          <a:xfrm>
+            <a:off x="1317674" y="1362218"/>
+            <a:ext cx="9790967" cy="4571956"/>
+          </a:xfrm>
+          <a:prstGeom prst="rect">
+            <a:avLst/>
+          </a:prstGeom>
+        </p:spPr>
+      </p:pic>
+    </p:spTree>
+    <p:extLst>
+      <p:ext uri="{BB962C8B-B14F-4D97-AF65-F5344CB8AC3E}">
+        <p14:creationId xmlns:p14="http://schemas.microsoft.com/office/powerpoint/2010/main" val="3353947107"/>
+      </p:ext>
+    </p:extLst>
+  </p:cSld>
+  <p:clrMapOvr>
+    <a:masterClrMapping/>
+  </p:clrMapOvr>
+</p:sld>
+</file>
+
+<file path=ppt/slides/slide16.xml><?xml version="1.0" encoding="utf-8"?>
+<p:sld xmlns:a="http://schemas.openxmlformats.org/drawingml/2006/main" xmlns:r="http://schemas.openxmlformats.org/officeDocument/2006/relationships" xmlns:p="http://schemas.openxmlformats.org/presentationml/2006/main">
+  <p:cSld>
+    <p:spTree>
+      <p:nvGrpSpPr>
+        <p:cNvPr id="1" name=""/>
+        <p:cNvGrpSpPr/>
+        <p:nvPr/>
+      </p:nvGrpSpPr>
+      <p:grpSpPr>
+        <a:xfrm>
+          <a:off x="0" y="0"/>
+          <a:ext cx="0" cy="0"/>
+          <a:chOff x="0" y="0"/>
+          <a:chExt cx="0" cy="0"/>
+        </a:xfrm>
+      </p:grpSpPr>
+      <p:sp>
+        <p:nvSpPr>
+          <p:cNvPr id="2" name="כותרת 1">
+            <a:extLst>
+              <a:ext uri="{FF2B5EF4-FFF2-40B4-BE49-F238E27FC236}">
+                <a16:creationId xmlns:a16="http://schemas.microsoft.com/office/drawing/2014/main" id="{E3F5E3BC-67E5-43AA-A7AA-5708895851EF}"/>
+              </a:ext>
+            </a:extLst>
+          </p:cNvPr>
+          <p:cNvSpPr>
+            <a:spLocks noGrp="1"/>
+          </p:cNvSpPr>
+          <p:nvPr>
+            <p:ph type="title"/>
+          </p:nvPr>
+        </p:nvSpPr>
+        <p:spPr/>
+        <p:txBody>
+          <a:bodyPr/>
+          <a:lstStyle/>
+          <a:p>
+            <a:r>
+              <a:rPr lang="en-US" dirty="0"/>
+              <a:t>How browsers work</a:t>
+            </a:r>
+            <a:endParaRPr lang="he-IL" dirty="0"/>
+          </a:p>
+        </p:txBody>
+      </p:sp>
+      <p:sp>
+        <p:nvSpPr>
+          <p:cNvPr id="3" name="תיבת טקסט 2">
+            <a:extLst>
+              <a:ext uri="{FF2B5EF4-FFF2-40B4-BE49-F238E27FC236}">
+                <a16:creationId xmlns:a16="http://schemas.microsoft.com/office/drawing/2014/main" id="{50DF948C-3071-468D-BECD-0A0BA159FBC5}"/>
+              </a:ext>
+            </a:extLst>
+          </p:cNvPr>
+          <p:cNvSpPr txBox="1"/>
+          <p:nvPr/>
+        </p:nvSpPr>
+        <p:spPr>
+          <a:xfrm>
+            <a:off x="506437" y="3521938"/>
+            <a:ext cx="1659988" cy="369332"/>
+          </a:xfrm>
+          <a:prstGeom prst="rect">
+            <a:avLst/>
+          </a:prstGeom>
+          <a:noFill/>
+        </p:spPr>
+        <p:txBody>
+          <a:bodyPr wrap="square" rtlCol="1">
+            <a:spAutoFit/>
+          </a:bodyPr>
+          <a:lstStyle/>
+          <a:p>
+            <a:r>
+              <a:rPr lang="en-US" dirty="0"/>
+              <a:t>Code </a:t>
+            </a:r>
+            <a:r>
+              <a:rPr lang="en-US" dirty="0" err="1"/>
+              <a:t>js</a:t>
+            </a:r>
+            <a:r>
+              <a:rPr lang="en-US" dirty="0"/>
+              <a:t> (txt)</a:t>
+            </a:r>
+            <a:endParaRPr lang="he-IL" dirty="0"/>
+          </a:p>
+        </p:txBody>
+      </p:sp>
+      <p:sp>
+        <p:nvSpPr>
+          <p:cNvPr id="5" name="תיבת טקסט 4">
+            <a:extLst>
+              <a:ext uri="{FF2B5EF4-FFF2-40B4-BE49-F238E27FC236}">
+                <a16:creationId xmlns:a16="http://schemas.microsoft.com/office/drawing/2014/main" id="{D263C470-3D28-4C0B-A732-9CC5A7FBD52E}"/>
+              </a:ext>
+            </a:extLst>
+          </p:cNvPr>
+          <p:cNvSpPr txBox="1"/>
+          <p:nvPr/>
+        </p:nvSpPr>
+        <p:spPr>
+          <a:xfrm>
+            <a:off x="3167663" y="3383439"/>
+            <a:ext cx="2787487" cy="646331"/>
+          </a:xfrm>
+          <a:prstGeom prst="rect">
+            <a:avLst/>
+          </a:prstGeom>
+          <a:noFill/>
+        </p:spPr>
+        <p:txBody>
+          <a:bodyPr wrap="square" rtlCol="1">
+            <a:spAutoFit/>
+          </a:bodyPr>
+          <a:lstStyle/>
+          <a:p>
+            <a:r>
+              <a:rPr lang="en-US" dirty="0"/>
+              <a:t>V8 engine (Chrome)</a:t>
+            </a:r>
+          </a:p>
+          <a:p>
+            <a:r>
+              <a:rPr lang="en-US" dirty="0" err="1"/>
+              <a:t>SpiderMonkey</a:t>
+            </a:r>
+            <a:r>
+              <a:rPr lang="en-US" dirty="0"/>
+              <a:t> (Mozilla)</a:t>
+            </a:r>
+            <a:endParaRPr lang="he-IL" dirty="0"/>
+          </a:p>
+        </p:txBody>
+      </p:sp>
+      <p:sp>
+        <p:nvSpPr>
+          <p:cNvPr id="7" name="תיבת טקסט 6">
+            <a:extLst>
+              <a:ext uri="{FF2B5EF4-FFF2-40B4-BE49-F238E27FC236}">
+                <a16:creationId xmlns:a16="http://schemas.microsoft.com/office/drawing/2014/main" id="{FE48E682-DAB1-468A-8C38-136CE9A81EB8}"/>
+              </a:ext>
+            </a:extLst>
+          </p:cNvPr>
+          <p:cNvSpPr txBox="1"/>
+          <p:nvPr/>
+        </p:nvSpPr>
+        <p:spPr>
+          <a:xfrm>
+            <a:off x="6956388" y="3521938"/>
+            <a:ext cx="1916332" cy="369332"/>
+          </a:xfrm>
+          <a:prstGeom prst="rect">
+            <a:avLst/>
+          </a:prstGeom>
+          <a:noFill/>
+        </p:spPr>
+        <p:txBody>
+          <a:bodyPr wrap="square" rtlCol="1">
+            <a:spAutoFit/>
+          </a:bodyPr>
+          <a:lstStyle/>
+          <a:p>
+            <a:r>
+              <a:rPr lang="en-US" dirty="0"/>
+              <a:t>Machine code</a:t>
+            </a:r>
+            <a:endParaRPr lang="he-IL" dirty="0"/>
+          </a:p>
+        </p:txBody>
+      </p:sp>
+      <p:sp>
+        <p:nvSpPr>
+          <p:cNvPr id="8" name="תיבת טקסט 7">
+            <a:extLst>
+              <a:ext uri="{FF2B5EF4-FFF2-40B4-BE49-F238E27FC236}">
+                <a16:creationId xmlns:a16="http://schemas.microsoft.com/office/drawing/2014/main" id="{F1FE271F-AE3C-458A-A09D-55FD7F01315F}"/>
+              </a:ext>
+            </a:extLst>
+          </p:cNvPr>
+          <p:cNvSpPr txBox="1"/>
+          <p:nvPr/>
+        </p:nvSpPr>
+        <p:spPr>
+          <a:xfrm>
+            <a:off x="9873958" y="3521938"/>
+            <a:ext cx="919090" cy="369332"/>
+          </a:xfrm>
+          <a:prstGeom prst="rect">
+            <a:avLst/>
+          </a:prstGeom>
+          <a:noFill/>
+        </p:spPr>
+        <p:txBody>
+          <a:bodyPr wrap="square" rtlCol="1">
+            <a:spAutoFit/>
+          </a:bodyPr>
+          <a:lstStyle/>
+          <a:p>
+            <a:r>
+              <a:rPr lang="en-US" dirty="0"/>
+              <a:t>CPU</a:t>
+            </a:r>
+            <a:endParaRPr lang="he-IL" dirty="0"/>
+          </a:p>
+        </p:txBody>
+      </p:sp>
+      <p:sp>
+        <p:nvSpPr>
+          <p:cNvPr id="6" name="תיבת טקסט 5">
+            <a:extLst>
+              <a:ext uri="{FF2B5EF4-FFF2-40B4-BE49-F238E27FC236}">
+                <a16:creationId xmlns:a16="http://schemas.microsoft.com/office/drawing/2014/main" id="{9F18B8A3-93D2-44D9-8BA9-970B03D98F45}"/>
+              </a:ext>
+            </a:extLst>
+          </p:cNvPr>
+          <p:cNvSpPr txBox="1"/>
+          <p:nvPr/>
+        </p:nvSpPr>
+        <p:spPr>
+          <a:xfrm>
+            <a:off x="2729132" y="2433677"/>
+            <a:ext cx="3207434" cy="369332"/>
+          </a:xfrm>
+          <a:prstGeom prst="rect">
+            <a:avLst/>
+          </a:prstGeom>
+          <a:noFill/>
+        </p:spPr>
+        <p:txBody>
+          <a:bodyPr wrap="square" rtlCol="1">
+            <a:spAutoFit/>
+          </a:bodyPr>
+          <a:lstStyle/>
+          <a:p>
+            <a:r>
+              <a:rPr lang="en-US" dirty="0"/>
+              <a:t>ECMA script (</a:t>
+            </a:r>
+            <a:r>
+              <a:rPr lang="en-US" dirty="0" err="1"/>
+              <a:t>js</a:t>
+            </a:r>
+            <a:r>
+              <a:rPr lang="en-US" dirty="0"/>
+              <a:t> standards)</a:t>
+            </a:r>
+            <a:endParaRPr lang="he-IL" dirty="0"/>
+          </a:p>
+        </p:txBody>
+      </p:sp>
+      <p:cxnSp>
+        <p:nvCxnSpPr>
+          <p:cNvPr id="10" name="מחבר חץ ישר 9">
+            <a:extLst>
+              <a:ext uri="{FF2B5EF4-FFF2-40B4-BE49-F238E27FC236}">
+                <a16:creationId xmlns:a16="http://schemas.microsoft.com/office/drawing/2014/main" id="{8C9B5CD6-7022-4053-9C41-BCC1512F6E5D}"/>
+              </a:ext>
+            </a:extLst>
+          </p:cNvPr>
+          <p:cNvCxnSpPr>
+            <a:cxnSpLocks/>
+            <a:stCxn id="3" idx="3"/>
+            <a:endCxn id="5" idx="1"/>
+          </p:cNvCxnSpPr>
+          <p:nvPr/>
+        </p:nvCxnSpPr>
+        <p:spPr>
+          <a:xfrm>
+            <a:off x="2166425" y="3706604"/>
+            <a:ext cx="1001238" cy="1"/>
+          </a:xfrm>
+          <a:prstGeom prst="straightConnector1">
+            <a:avLst/>
+          </a:prstGeom>
+          <a:ln>
+            <a:solidFill>
+              <a:schemeClr val="tx1"/>
+            </a:solidFill>
+            <a:tailEnd type="triangle"/>
+          </a:ln>
+        </p:spPr>
+        <p:style>
+          <a:lnRef idx="1">
+            <a:schemeClr val="accent1"/>
+          </a:lnRef>
+          <a:fillRef idx="0">
+            <a:schemeClr val="accent1"/>
+          </a:fillRef>
+          <a:effectRef idx="0">
+            <a:schemeClr val="accent1"/>
+          </a:effectRef>
+          <a:fontRef idx="minor">
+            <a:schemeClr val="tx1"/>
+          </a:fontRef>
+        </p:style>
+      </p:cxnSp>
+      <p:cxnSp>
+        <p:nvCxnSpPr>
+          <p:cNvPr id="12" name="מחבר חץ ישר 11">
+            <a:extLst>
+              <a:ext uri="{FF2B5EF4-FFF2-40B4-BE49-F238E27FC236}">
+                <a16:creationId xmlns:a16="http://schemas.microsoft.com/office/drawing/2014/main" id="{406FCFDC-C454-4F4D-A0F2-9B9449361A66}"/>
+              </a:ext>
+            </a:extLst>
+          </p:cNvPr>
+          <p:cNvCxnSpPr>
+            <a:cxnSpLocks/>
+            <a:stCxn id="5" idx="3"/>
+            <a:endCxn id="7" idx="1"/>
+          </p:cNvCxnSpPr>
+          <p:nvPr/>
+        </p:nvCxnSpPr>
+        <p:spPr>
+          <a:xfrm flipV="1">
+            <a:off x="5955150" y="3706604"/>
+            <a:ext cx="1001238" cy="1"/>
+          </a:xfrm>
+          <a:prstGeom prst="straightConnector1">
+            <a:avLst/>
+          </a:prstGeom>
+          <a:ln>
+            <a:solidFill>
+              <a:schemeClr val="tx1"/>
+            </a:solidFill>
+            <a:tailEnd type="triangle"/>
+          </a:ln>
+        </p:spPr>
+        <p:style>
+          <a:lnRef idx="1">
+            <a:schemeClr val="accent1"/>
+          </a:lnRef>
+          <a:fillRef idx="0">
+            <a:schemeClr val="accent1"/>
+          </a:fillRef>
+          <a:effectRef idx="0">
+            <a:schemeClr val="accent1"/>
+          </a:effectRef>
+          <a:fontRef idx="minor">
+            <a:schemeClr val="tx1"/>
+          </a:fontRef>
+        </p:style>
+      </p:cxnSp>
+      <p:cxnSp>
+        <p:nvCxnSpPr>
+          <p:cNvPr id="15" name="מחבר חץ ישר 14">
+            <a:extLst>
+              <a:ext uri="{FF2B5EF4-FFF2-40B4-BE49-F238E27FC236}">
+                <a16:creationId xmlns:a16="http://schemas.microsoft.com/office/drawing/2014/main" id="{2801AAF1-8A0A-44DB-90E4-23A2BCB594CD}"/>
+              </a:ext>
+            </a:extLst>
+          </p:cNvPr>
+          <p:cNvCxnSpPr>
+            <a:cxnSpLocks/>
+            <a:stCxn id="7" idx="3"/>
+            <a:endCxn id="8" idx="1"/>
+          </p:cNvCxnSpPr>
+          <p:nvPr/>
+        </p:nvCxnSpPr>
+        <p:spPr>
+          <a:xfrm>
+            <a:off x="8872720" y="3706604"/>
+            <a:ext cx="1001238" cy="0"/>
+          </a:xfrm>
+          <a:prstGeom prst="straightConnector1">
+            <a:avLst/>
+          </a:prstGeom>
+          <a:ln>
+            <a:solidFill>
+              <a:schemeClr val="tx1"/>
+            </a:solidFill>
+            <a:tailEnd type="triangle"/>
+          </a:ln>
+        </p:spPr>
+        <p:style>
+          <a:lnRef idx="1">
+            <a:schemeClr val="accent1"/>
+          </a:lnRef>
+          <a:fillRef idx="0">
+            <a:schemeClr val="accent1"/>
+          </a:fillRef>
+          <a:effectRef idx="0">
+            <a:schemeClr val="accent1"/>
+          </a:effectRef>
+          <a:fontRef idx="minor">
+            <a:schemeClr val="tx1"/>
+          </a:fontRef>
+        </p:style>
+      </p:cxnSp>
+    </p:spTree>
+    <p:extLst>
+      <p:ext uri="{BB962C8B-B14F-4D97-AF65-F5344CB8AC3E}">
+        <p14:creationId xmlns:p14="http://schemas.microsoft.com/office/powerpoint/2010/main" val="3488027916"/>
+      </p:ext>
+    </p:extLst>
+  </p:cSld>
+  <p:clrMapOvr>
+    <a:masterClrMapping/>
+  </p:clrMapOvr>
+</p:sld>
+</file>
+
+<file path=ppt/slides/slide17.xml><?xml version="1.0" encoding="utf-8"?>
+<p:sld xmlns:a="http://schemas.openxmlformats.org/drawingml/2006/main" xmlns:r="http://schemas.openxmlformats.org/officeDocument/2006/relationships" xmlns:p="http://schemas.openxmlformats.org/presentationml/2006/main">
+  <p:cSld>
+    <p:spTree>
+      <p:nvGrpSpPr>
+        <p:cNvPr id="1" name=""/>
+        <p:cNvGrpSpPr/>
+        <p:nvPr/>
+      </p:nvGrpSpPr>
+      <p:grpSpPr>
+        <a:xfrm>
+          <a:off x="0" y="0"/>
+          <a:ext cx="0" cy="0"/>
+          <a:chOff x="0" y="0"/>
+          <a:chExt cx="0" cy="0"/>
+        </a:xfrm>
+      </p:grpSpPr>
+      <p:sp>
+        <p:nvSpPr>
+          <p:cNvPr id="2" name="כותרת 1">
+            <a:extLst>
+              <a:ext uri="{FF2B5EF4-FFF2-40B4-BE49-F238E27FC236}">
+                <a16:creationId xmlns:a16="http://schemas.microsoft.com/office/drawing/2014/main" id="{05B92EAD-BE06-4445-B539-B5CCF8D3E6F1}"/>
+              </a:ext>
+            </a:extLst>
+          </p:cNvPr>
+          <p:cNvSpPr>
+            <a:spLocks noGrp="1"/>
+          </p:cNvSpPr>
+          <p:nvPr>
+            <p:ph type="title"/>
+          </p:nvPr>
+        </p:nvSpPr>
+        <p:spPr>
+          <a:xfrm>
+            <a:off x="646111" y="452718"/>
+            <a:ext cx="9404723" cy="1400530"/>
+          </a:xfrm>
+        </p:spPr>
+        <p:txBody>
+          <a:bodyPr/>
+          <a:lstStyle/>
+          <a:p>
+            <a:r>
+              <a:rPr lang="en-US"/>
+              <a:t>Mozilla vs Chrome</a:t>
+            </a:r>
+            <a:endParaRPr lang="he-IL" dirty="0"/>
+          </a:p>
+        </p:txBody>
+      </p:sp>
+      <p:pic>
+        <p:nvPicPr>
+          <p:cNvPr id="4" name="תמונה 3">
+            <a:extLst>
+              <a:ext uri="{FF2B5EF4-FFF2-40B4-BE49-F238E27FC236}">
+                <a16:creationId xmlns:a16="http://schemas.microsoft.com/office/drawing/2014/main" id="{5B59429C-AB50-46B6-BA24-EF37842D2A3C}"/>
               </a:ext>
             </a:extLst>
           </p:cNvPr>
@@ -6587,8 +8005,8 @@
         </p:blipFill>
         <p:spPr>
           <a:xfrm>
-            <a:off x="395562" y="1491176"/>
-            <a:ext cx="8829401" cy="4811150"/>
+            <a:off x="7563906" y="2161906"/>
+            <a:ext cx="3072703" cy="1267094"/>
           </a:xfrm>
           <a:prstGeom prst="rect">
             <a:avLst/>
@@ -6597,10 +8015,10 @@
       </p:pic>
       <p:pic>
         <p:nvPicPr>
-          <p:cNvPr id="7" name="תמונה 6">
+          <p:cNvPr id="5" name="תמונה 4">
             <a:extLst>
               <a:ext uri="{FF2B5EF4-FFF2-40B4-BE49-F238E27FC236}">
-                <a16:creationId xmlns:a16="http://schemas.microsoft.com/office/drawing/2014/main" id="{B579F281-D3BD-43DE-AEE1-6E1BF187D684}"/>
+                <a16:creationId xmlns:a16="http://schemas.microsoft.com/office/drawing/2014/main" id="{5EDC9B59-69CD-487B-B742-9EB4C61F5036}"/>
               </a:ext>
             </a:extLst>
           </p:cNvPr>
@@ -6617,8 +8035,38 @@
         </p:blipFill>
         <p:spPr>
           <a:xfrm>
-            <a:off x="7607514" y="1152983"/>
-            <a:ext cx="3735995" cy="2882894"/>
+            <a:off x="7141875" y="3737658"/>
+            <a:ext cx="3903673" cy="1267094"/>
+          </a:xfrm>
+          <a:prstGeom prst="rect">
+            <a:avLst/>
+          </a:prstGeom>
+        </p:spPr>
+      </p:pic>
+      <p:pic>
+        <p:nvPicPr>
+          <p:cNvPr id="7" name="תמונה 6">
+            <a:extLst>
+              <a:ext uri="{FF2B5EF4-FFF2-40B4-BE49-F238E27FC236}">
+                <a16:creationId xmlns:a16="http://schemas.microsoft.com/office/drawing/2014/main" id="{061D3977-3A6D-497E-872D-17FDBF8BF656}"/>
+              </a:ext>
+            </a:extLst>
+          </p:cNvPr>
+          <p:cNvPicPr>
+            <a:picLocks noChangeAspect="1"/>
+          </p:cNvPicPr>
+          <p:nvPr/>
+        </p:nvPicPr>
+        <p:blipFill>
+          <a:blip r:embed="rId4"/>
+          <a:stretch>
+            <a:fillRect/>
+          </a:stretch>
+        </p:blipFill>
+        <p:spPr>
+          <a:xfrm>
+            <a:off x="1485634" y="1152983"/>
+            <a:ext cx="2619375" cy="5486400"/>
           </a:xfrm>
           <a:prstGeom prst="rect">
             <a:avLst/>
@@ -6628,17 +8076,591 @@
     </p:spTree>
     <p:extLst>
       <p:ext uri="{BB962C8B-B14F-4D97-AF65-F5344CB8AC3E}">
-        <p14:creationId xmlns:p14="http://schemas.microsoft.com/office/powerpoint/2010/main" val="405804034"/>
+        <p14:creationId xmlns:p14="http://schemas.microsoft.com/office/powerpoint/2010/main" val="3587201898"/>
       </p:ext>
     </p:extLst>
   </p:cSld>
   <p:clrMapOvr>
     <a:masterClrMapping/>
   </p:clrMapOvr>
+  <p:timing>
+    <p:tnLst>
+      <p:par>
+        <p:cTn id="1" dur="indefinite" restart="never" nodeType="tmRoot">
+          <p:childTnLst>
+            <p:seq concurrent="1" nextAc="seek">
+              <p:cTn id="2" dur="indefinite" nodeType="mainSeq">
+                <p:childTnLst>
+                  <p:par>
+                    <p:cTn id="3" fill="hold">
+                      <p:stCondLst>
+                        <p:cond delay="indefinite"/>
+                      </p:stCondLst>
+                      <p:childTnLst>
+                        <p:par>
+                          <p:cTn id="4" fill="hold">
+                            <p:stCondLst>
+                              <p:cond delay="0"/>
+                            </p:stCondLst>
+                            <p:childTnLst>
+                              <p:par>
+                                <p:cTn id="5" presetID="42" presetClass="entr" presetSubtype="0" fill="hold" nodeType="clickEffect">
+                                  <p:stCondLst>
+                                    <p:cond delay="0"/>
+                                  </p:stCondLst>
+                                  <p:childTnLst>
+                                    <p:set>
+                                      <p:cBhvr>
+                                        <p:cTn id="6" dur="1" fill="hold">
+                                          <p:stCondLst>
+                                            <p:cond delay="0"/>
+                                          </p:stCondLst>
+                                        </p:cTn>
+                                        <p:tgtEl>
+                                          <p:spTgt spid="4"/>
+                                        </p:tgtEl>
+                                        <p:attrNameLst>
+                                          <p:attrName>style.visibility</p:attrName>
+                                        </p:attrNameLst>
+                                      </p:cBhvr>
+                                      <p:to>
+                                        <p:strVal val="visible"/>
+                                      </p:to>
+                                    </p:set>
+                                    <p:animEffect transition="in" filter="fade">
+                                      <p:cBhvr>
+                                        <p:cTn id="7" dur="1000"/>
+                                        <p:tgtEl>
+                                          <p:spTgt spid="4"/>
+                                        </p:tgtEl>
+                                      </p:cBhvr>
+                                    </p:animEffect>
+                                    <p:anim calcmode="lin" valueType="num">
+                                      <p:cBhvr>
+                                        <p:cTn id="8" dur="1000" fill="hold"/>
+                                        <p:tgtEl>
+                                          <p:spTgt spid="4"/>
+                                        </p:tgtEl>
+                                        <p:attrNameLst>
+                                          <p:attrName>ppt_x</p:attrName>
+                                        </p:attrNameLst>
+                                      </p:cBhvr>
+                                      <p:tavLst>
+                                        <p:tav tm="0">
+                                          <p:val>
+                                            <p:strVal val="#ppt_x"/>
+                                          </p:val>
+                                        </p:tav>
+                                        <p:tav tm="100000">
+                                          <p:val>
+                                            <p:strVal val="#ppt_x"/>
+                                          </p:val>
+                                        </p:tav>
+                                      </p:tavLst>
+                                    </p:anim>
+                                    <p:anim calcmode="lin" valueType="num">
+                                      <p:cBhvr>
+                                        <p:cTn id="9" dur="1000" fill="hold"/>
+                                        <p:tgtEl>
+                                          <p:spTgt spid="4"/>
+                                        </p:tgtEl>
+                                        <p:attrNameLst>
+                                          <p:attrName>ppt_y</p:attrName>
+                                        </p:attrNameLst>
+                                      </p:cBhvr>
+                                      <p:tavLst>
+                                        <p:tav tm="0">
+                                          <p:val>
+                                            <p:strVal val="#ppt_y+.1"/>
+                                          </p:val>
+                                        </p:tav>
+                                        <p:tav tm="100000">
+                                          <p:val>
+                                            <p:strVal val="#ppt_y"/>
+                                          </p:val>
+                                        </p:tav>
+                                      </p:tavLst>
+                                    </p:anim>
+                                  </p:childTnLst>
+                                </p:cTn>
+                              </p:par>
+                              <p:par>
+                                <p:cTn id="10" presetID="42" presetClass="entr" presetSubtype="0" fill="hold" nodeType="withEffect">
+                                  <p:stCondLst>
+                                    <p:cond delay="0"/>
+                                  </p:stCondLst>
+                                  <p:childTnLst>
+                                    <p:set>
+                                      <p:cBhvr>
+                                        <p:cTn id="11" dur="1" fill="hold">
+                                          <p:stCondLst>
+                                            <p:cond delay="0"/>
+                                          </p:stCondLst>
+                                        </p:cTn>
+                                        <p:tgtEl>
+                                          <p:spTgt spid="5"/>
+                                        </p:tgtEl>
+                                        <p:attrNameLst>
+                                          <p:attrName>style.visibility</p:attrName>
+                                        </p:attrNameLst>
+                                      </p:cBhvr>
+                                      <p:to>
+                                        <p:strVal val="visible"/>
+                                      </p:to>
+                                    </p:set>
+                                    <p:animEffect transition="in" filter="fade">
+                                      <p:cBhvr>
+                                        <p:cTn id="12" dur="1000"/>
+                                        <p:tgtEl>
+                                          <p:spTgt spid="5"/>
+                                        </p:tgtEl>
+                                      </p:cBhvr>
+                                    </p:animEffect>
+                                    <p:anim calcmode="lin" valueType="num">
+                                      <p:cBhvr>
+                                        <p:cTn id="13" dur="1000" fill="hold"/>
+                                        <p:tgtEl>
+                                          <p:spTgt spid="5"/>
+                                        </p:tgtEl>
+                                        <p:attrNameLst>
+                                          <p:attrName>ppt_x</p:attrName>
+                                        </p:attrNameLst>
+                                      </p:cBhvr>
+                                      <p:tavLst>
+                                        <p:tav tm="0">
+                                          <p:val>
+                                            <p:strVal val="#ppt_x"/>
+                                          </p:val>
+                                        </p:tav>
+                                        <p:tav tm="100000">
+                                          <p:val>
+                                            <p:strVal val="#ppt_x"/>
+                                          </p:val>
+                                        </p:tav>
+                                      </p:tavLst>
+                                    </p:anim>
+                                    <p:anim calcmode="lin" valueType="num">
+                                      <p:cBhvr>
+                                        <p:cTn id="14" dur="1000" fill="hold"/>
+                                        <p:tgtEl>
+                                          <p:spTgt spid="5"/>
+                                        </p:tgtEl>
+                                        <p:attrNameLst>
+                                          <p:attrName>ppt_y</p:attrName>
+                                        </p:attrNameLst>
+                                      </p:cBhvr>
+                                      <p:tavLst>
+                                        <p:tav tm="0">
+                                          <p:val>
+                                            <p:strVal val="#ppt_y+.1"/>
+                                          </p:val>
+                                        </p:tav>
+                                        <p:tav tm="100000">
+                                          <p:val>
+                                            <p:strVal val="#ppt_y"/>
+                                          </p:val>
+                                        </p:tav>
+                                      </p:tavLst>
+                                    </p:anim>
+                                  </p:childTnLst>
+                                </p:cTn>
+                              </p:par>
+                            </p:childTnLst>
+                          </p:cTn>
+                        </p:par>
+                      </p:childTnLst>
+                    </p:cTn>
+                  </p:par>
+                </p:childTnLst>
+              </p:cTn>
+              <p:prevCondLst>
+                <p:cond evt="onPrev" delay="0">
+                  <p:tgtEl>
+                    <p:sldTgt/>
+                  </p:tgtEl>
+                </p:cond>
+              </p:prevCondLst>
+              <p:nextCondLst>
+                <p:cond evt="onNext" delay="0">
+                  <p:tgtEl>
+                    <p:sldTgt/>
+                  </p:tgtEl>
+                </p:cond>
+              </p:nextCondLst>
+            </p:seq>
+          </p:childTnLst>
+        </p:cTn>
+      </p:par>
+    </p:tnLst>
+  </p:timing>
 </p:sld>
 </file>
 
-<file path=ppt/slides/slide14.xml><?xml version="1.0" encoding="utf-8"?>
+<file path=ppt/slides/slide18.xml><?xml version="1.0" encoding="utf-8"?>
+<p:sld xmlns:a="http://schemas.openxmlformats.org/drawingml/2006/main" xmlns:r="http://schemas.openxmlformats.org/officeDocument/2006/relationships" xmlns:p="http://schemas.openxmlformats.org/presentationml/2006/main">
+  <p:cSld>
+    <p:spTree>
+      <p:nvGrpSpPr>
+        <p:cNvPr id="1" name=""/>
+        <p:cNvGrpSpPr/>
+        <p:nvPr/>
+      </p:nvGrpSpPr>
+      <p:grpSpPr>
+        <a:xfrm>
+          <a:off x="0" y="0"/>
+          <a:ext cx="0" cy="0"/>
+          <a:chOff x="0" y="0"/>
+          <a:chExt cx="0" cy="0"/>
+        </a:xfrm>
+      </p:grpSpPr>
+      <p:sp>
+        <p:nvSpPr>
+          <p:cNvPr id="2" name="כותרת 1">
+            <a:extLst>
+              <a:ext uri="{FF2B5EF4-FFF2-40B4-BE49-F238E27FC236}">
+                <a16:creationId xmlns:a16="http://schemas.microsoft.com/office/drawing/2014/main" id="{05B92EAD-BE06-4445-B539-B5CCF8D3E6F1}"/>
+              </a:ext>
+            </a:extLst>
+          </p:cNvPr>
+          <p:cNvSpPr>
+            <a:spLocks noGrp="1"/>
+          </p:cNvSpPr>
+          <p:nvPr>
+            <p:ph type="title"/>
+          </p:nvPr>
+        </p:nvSpPr>
+        <p:spPr>
+          <a:xfrm>
+            <a:off x="646111" y="424582"/>
+            <a:ext cx="9404723" cy="1400530"/>
+          </a:xfrm>
+        </p:spPr>
+        <p:txBody>
+          <a:bodyPr/>
+          <a:lstStyle/>
+          <a:p>
+            <a:r>
+              <a:rPr lang="en-US" dirty="0"/>
+              <a:t>Mozilla vs Chrome</a:t>
+            </a:r>
+            <a:endParaRPr lang="he-IL" dirty="0"/>
+          </a:p>
+        </p:txBody>
+      </p:sp>
+      <p:pic>
+        <p:nvPicPr>
+          <p:cNvPr id="3" name="תמונה 2">
+            <a:extLst>
+              <a:ext uri="{FF2B5EF4-FFF2-40B4-BE49-F238E27FC236}">
+                <a16:creationId xmlns:a16="http://schemas.microsoft.com/office/drawing/2014/main" id="{AABDC04A-3AF4-438D-939B-9477928612C1}"/>
+              </a:ext>
+            </a:extLst>
+          </p:cNvPr>
+          <p:cNvPicPr>
+            <a:picLocks noChangeAspect="1"/>
+          </p:cNvPicPr>
+          <p:nvPr/>
+        </p:nvPicPr>
+        <p:blipFill>
+          <a:blip r:embed="rId2"/>
+          <a:stretch>
+            <a:fillRect/>
+          </a:stretch>
+        </p:blipFill>
+        <p:spPr>
+          <a:xfrm>
+            <a:off x="1344710" y="871537"/>
+            <a:ext cx="2581275" cy="5876925"/>
+          </a:xfrm>
+          <a:prstGeom prst="rect">
+            <a:avLst/>
+          </a:prstGeom>
+        </p:spPr>
+      </p:pic>
+      <p:pic>
+        <p:nvPicPr>
+          <p:cNvPr id="6" name="תמונה 5">
+            <a:extLst>
+              <a:ext uri="{FF2B5EF4-FFF2-40B4-BE49-F238E27FC236}">
+                <a16:creationId xmlns:a16="http://schemas.microsoft.com/office/drawing/2014/main" id="{8C049169-3A33-4736-B810-3F723C334C8A}"/>
+              </a:ext>
+            </a:extLst>
+          </p:cNvPr>
+          <p:cNvPicPr>
+            <a:picLocks noChangeAspect="1"/>
+          </p:cNvPicPr>
+          <p:nvPr/>
+        </p:nvPicPr>
+        <p:blipFill>
+          <a:blip r:embed="rId3"/>
+          <a:stretch>
+            <a:fillRect/>
+          </a:stretch>
+        </p:blipFill>
+        <p:spPr>
+          <a:xfrm>
+            <a:off x="6151624" y="3149477"/>
+            <a:ext cx="4228785" cy="1400530"/>
+          </a:xfrm>
+          <a:prstGeom prst="rect">
+            <a:avLst/>
+          </a:prstGeom>
+        </p:spPr>
+      </p:pic>
+      <p:pic>
+        <p:nvPicPr>
+          <p:cNvPr id="8" name="תמונה 7">
+            <a:extLst>
+              <a:ext uri="{FF2B5EF4-FFF2-40B4-BE49-F238E27FC236}">
+                <a16:creationId xmlns:a16="http://schemas.microsoft.com/office/drawing/2014/main" id="{1E4451FE-811E-4A30-BF8D-603C51F22480}"/>
+              </a:ext>
+            </a:extLst>
+          </p:cNvPr>
+          <p:cNvPicPr>
+            <a:picLocks noChangeAspect="1"/>
+          </p:cNvPicPr>
+          <p:nvPr/>
+        </p:nvPicPr>
+        <p:blipFill>
+          <a:blip r:embed="rId4"/>
+          <a:stretch>
+            <a:fillRect/>
+          </a:stretch>
+        </p:blipFill>
+        <p:spPr>
+          <a:xfrm>
+            <a:off x="7061420" y="1524534"/>
+            <a:ext cx="2409194" cy="1204597"/>
+          </a:xfrm>
+          <a:prstGeom prst="rect">
+            <a:avLst/>
+          </a:prstGeom>
+        </p:spPr>
+      </p:pic>
+    </p:spTree>
+    <p:extLst>
+      <p:ext uri="{BB962C8B-B14F-4D97-AF65-F5344CB8AC3E}">
+        <p14:creationId xmlns:p14="http://schemas.microsoft.com/office/powerpoint/2010/main" val="470245137"/>
+      </p:ext>
+    </p:extLst>
+  </p:cSld>
+  <p:clrMapOvr>
+    <a:masterClrMapping/>
+  </p:clrMapOvr>
+  <p:timing>
+    <p:tnLst>
+      <p:par>
+        <p:cTn id="1" dur="indefinite" restart="never" nodeType="tmRoot">
+          <p:childTnLst>
+            <p:seq concurrent="1" nextAc="seek">
+              <p:cTn id="2" dur="indefinite" nodeType="mainSeq">
+                <p:childTnLst>
+                  <p:par>
+                    <p:cTn id="3" fill="hold">
+                      <p:stCondLst>
+                        <p:cond delay="indefinite"/>
+                      </p:stCondLst>
+                      <p:childTnLst>
+                        <p:par>
+                          <p:cTn id="4" fill="hold">
+                            <p:stCondLst>
+                              <p:cond delay="0"/>
+                            </p:stCondLst>
+                            <p:childTnLst>
+                              <p:par>
+                                <p:cTn id="5" presetID="42" presetClass="entr" presetSubtype="0" fill="hold" nodeType="clickEffect">
+                                  <p:stCondLst>
+                                    <p:cond delay="0"/>
+                                  </p:stCondLst>
+                                  <p:childTnLst>
+                                    <p:set>
+                                      <p:cBhvr>
+                                        <p:cTn id="6" dur="1" fill="hold">
+                                          <p:stCondLst>
+                                            <p:cond delay="0"/>
+                                          </p:stCondLst>
+                                        </p:cTn>
+                                        <p:tgtEl>
+                                          <p:spTgt spid="8"/>
+                                        </p:tgtEl>
+                                        <p:attrNameLst>
+                                          <p:attrName>style.visibility</p:attrName>
+                                        </p:attrNameLst>
+                                      </p:cBhvr>
+                                      <p:to>
+                                        <p:strVal val="visible"/>
+                                      </p:to>
+                                    </p:set>
+                                    <p:animEffect transition="in" filter="fade">
+                                      <p:cBhvr>
+                                        <p:cTn id="7" dur="1000"/>
+                                        <p:tgtEl>
+                                          <p:spTgt spid="8"/>
+                                        </p:tgtEl>
+                                      </p:cBhvr>
+                                    </p:animEffect>
+                                    <p:anim calcmode="lin" valueType="num">
+                                      <p:cBhvr>
+                                        <p:cTn id="8" dur="1000" fill="hold"/>
+                                        <p:tgtEl>
+                                          <p:spTgt spid="8"/>
+                                        </p:tgtEl>
+                                        <p:attrNameLst>
+                                          <p:attrName>ppt_x</p:attrName>
+                                        </p:attrNameLst>
+                                      </p:cBhvr>
+                                      <p:tavLst>
+                                        <p:tav tm="0">
+                                          <p:val>
+                                            <p:strVal val="#ppt_x"/>
+                                          </p:val>
+                                        </p:tav>
+                                        <p:tav tm="100000">
+                                          <p:val>
+                                            <p:strVal val="#ppt_x"/>
+                                          </p:val>
+                                        </p:tav>
+                                      </p:tavLst>
+                                    </p:anim>
+                                    <p:anim calcmode="lin" valueType="num">
+                                      <p:cBhvr>
+                                        <p:cTn id="9" dur="1000" fill="hold"/>
+                                        <p:tgtEl>
+                                          <p:spTgt spid="8"/>
+                                        </p:tgtEl>
+                                        <p:attrNameLst>
+                                          <p:attrName>ppt_y</p:attrName>
+                                        </p:attrNameLst>
+                                      </p:cBhvr>
+                                      <p:tavLst>
+                                        <p:tav tm="0">
+                                          <p:val>
+                                            <p:strVal val="#ppt_y+.1"/>
+                                          </p:val>
+                                        </p:tav>
+                                        <p:tav tm="100000">
+                                          <p:val>
+                                            <p:strVal val="#ppt_y"/>
+                                          </p:val>
+                                        </p:tav>
+                                      </p:tavLst>
+                                    </p:anim>
+                                  </p:childTnLst>
+                                </p:cTn>
+                              </p:par>
+                              <p:par>
+                                <p:cTn id="10" presetID="42" presetClass="entr" presetSubtype="0" fill="hold" nodeType="withEffect">
+                                  <p:stCondLst>
+                                    <p:cond delay="0"/>
+                                  </p:stCondLst>
+                                  <p:childTnLst>
+                                    <p:set>
+                                      <p:cBhvr>
+                                        <p:cTn id="11" dur="1" fill="hold">
+                                          <p:stCondLst>
+                                            <p:cond delay="0"/>
+                                          </p:stCondLst>
+                                        </p:cTn>
+                                        <p:tgtEl>
+                                          <p:spTgt spid="6"/>
+                                        </p:tgtEl>
+                                        <p:attrNameLst>
+                                          <p:attrName>style.visibility</p:attrName>
+                                        </p:attrNameLst>
+                                      </p:cBhvr>
+                                      <p:to>
+                                        <p:strVal val="visible"/>
+                                      </p:to>
+                                    </p:set>
+                                    <p:animEffect transition="in" filter="fade">
+                                      <p:cBhvr>
+                                        <p:cTn id="12" dur="1000"/>
+                                        <p:tgtEl>
+                                          <p:spTgt spid="6"/>
+                                        </p:tgtEl>
+                                      </p:cBhvr>
+                                    </p:animEffect>
+                                    <p:anim calcmode="lin" valueType="num">
+                                      <p:cBhvr>
+                                        <p:cTn id="13" dur="1000" fill="hold"/>
+                                        <p:tgtEl>
+                                          <p:spTgt spid="6"/>
+                                        </p:tgtEl>
+                                        <p:attrNameLst>
+                                          <p:attrName>ppt_x</p:attrName>
+                                        </p:attrNameLst>
+                                      </p:cBhvr>
+                                      <p:tavLst>
+                                        <p:tav tm="0">
+                                          <p:val>
+                                            <p:strVal val="#ppt_x"/>
+                                          </p:val>
+                                        </p:tav>
+                                        <p:tav tm="100000">
+                                          <p:val>
+                                            <p:strVal val="#ppt_x"/>
+                                          </p:val>
+                                        </p:tav>
+                                      </p:tavLst>
+                                    </p:anim>
+                                    <p:anim calcmode="lin" valueType="num">
+                                      <p:cBhvr>
+                                        <p:cTn id="14" dur="1000" fill="hold"/>
+                                        <p:tgtEl>
+                                          <p:spTgt spid="6"/>
+                                        </p:tgtEl>
+                                        <p:attrNameLst>
+                                          <p:attrName>ppt_y</p:attrName>
+                                        </p:attrNameLst>
+                                      </p:cBhvr>
+                                      <p:tavLst>
+                                        <p:tav tm="0">
+                                          <p:val>
+                                            <p:strVal val="#ppt_y+.1"/>
+                                          </p:val>
+                                        </p:tav>
+                                        <p:tav tm="100000">
+                                          <p:val>
+                                            <p:strVal val="#ppt_y"/>
+                                          </p:val>
+                                        </p:tav>
+                                      </p:tavLst>
+                                    </p:anim>
+                                  </p:childTnLst>
+                                </p:cTn>
+                              </p:par>
+                            </p:childTnLst>
+                          </p:cTn>
+                        </p:par>
+                      </p:childTnLst>
+                    </p:cTn>
+                  </p:par>
+                </p:childTnLst>
+              </p:cTn>
+              <p:prevCondLst>
+                <p:cond evt="onPrev" delay="0">
+                  <p:tgtEl>
+                    <p:sldTgt/>
+                  </p:tgtEl>
+                </p:cond>
+              </p:prevCondLst>
+              <p:nextCondLst>
+                <p:cond evt="onNext" delay="0">
+                  <p:tgtEl>
+                    <p:sldTgt/>
+                  </p:tgtEl>
+                </p:cond>
+              </p:nextCondLst>
+            </p:seq>
+          </p:childTnLst>
+        </p:cTn>
+      </p:par>
+    </p:tnLst>
+  </p:timing>
+</p:sld>
+</file>
+
+<file path=ppt/slides/slide19.xml><?xml version="1.0" encoding="utf-8"?>
 <p:sld xmlns:a="http://schemas.openxmlformats.org/drawingml/2006/main" xmlns:r="http://schemas.openxmlformats.org/officeDocument/2006/relationships" xmlns:p="http://schemas.openxmlformats.org/presentationml/2006/main">
   <p:cSld>
     <p:spTree>
@@ -10998,30 +13020,6 @@
 <file path=ppt/slides/slide7.xml><?xml version="1.0" encoding="utf-8"?>
 <p:sld xmlns:a="http://schemas.openxmlformats.org/drawingml/2006/main" xmlns:r="http://schemas.openxmlformats.org/officeDocument/2006/relationships" xmlns:p="http://schemas.openxmlformats.org/presentationml/2006/main">
   <p:cSld>
-    <p:bg>
-      <p:bgPr>
-        <a:blipFill rotWithShape="1">
-          <a:blip r:embed="rId2">
-            <a:duotone>
-              <a:schemeClr val="bg2">
-                <a:shade val="69000"/>
-                <a:hueMod val="91000"/>
-                <a:satMod val="164000"/>
-                <a:lumMod val="74000"/>
-              </a:schemeClr>
-              <a:schemeClr val="bg2">
-                <a:hueMod val="124000"/>
-                <a:satMod val="140000"/>
-                <a:lumMod val="142000"/>
-              </a:schemeClr>
-            </a:duotone>
-            <a:extLst/>
-          </a:blip>
-          <a:stretch/>
-        </a:blipFill>
-        <a:effectLst/>
-      </p:bgPr>
-    </p:bg>
     <p:spTree>
       <p:nvGrpSpPr>
         <p:cNvPr id="1" name=""/>
@@ -11036,392 +13034,12 @@
           <a:chExt cx="0" cy="0"/>
         </a:xfrm>
       </p:grpSpPr>
-      <p:pic>
-        <p:nvPicPr>
-          <p:cNvPr id="10" name="Picture 9">
-            <a:extLst>
-              <a:ext uri="{FF2B5EF4-FFF2-40B4-BE49-F238E27FC236}">
-                <a16:creationId xmlns:a16="http://schemas.microsoft.com/office/drawing/2014/main" id="{26E32CE1-D113-412E-9933-113646E21F53}"/>
-              </a:ext>
-            </a:extLst>
-          </p:cNvPr>
-          <p:cNvPicPr>
-            <a:picLocks noGrp="1" noRot="1" noChangeAspect="1" noMove="1" noResize="1" noEditPoints="1" noAdjustHandles="1" noChangeArrowheads="1" noChangeShapeType="1" noCrop="1"/>
-          </p:cNvPicPr>
-          <p:nvPr>
-            <p:extLst>
-              <p:ext uri="{386F3935-93C4-4BCD-93E2-E3B085C9AB24}">
-                <p16:designElem xmlns:p16="http://schemas.microsoft.com/office/powerpoint/2015/main" val="1"/>
-              </p:ext>
-            </p:extLst>
-          </p:nvPr>
-        </p:nvPicPr>
-        <p:blipFill rotWithShape="1">
-          <a:blip r:embed="rId3">
-            <a:extLst>
-              <a:ext uri="{28A0092B-C50C-407E-A947-70E740481C1C}">
-                <a14:useLocalDpi xmlns:a14="http://schemas.microsoft.com/office/drawing/2010/main" val="0"/>
-              </a:ext>
-            </a:extLst>
-          </a:blip>
-          <a:srcRect l="3644"/>
-          <a:stretch/>
-        </p:blipFill>
-        <p:spPr>
-          <a:xfrm>
-            <a:off x="0" y="2669685"/>
-            <a:ext cx="4035669" cy="4188315"/>
-          </a:xfrm>
-          <a:prstGeom prst="rect">
-            <a:avLst/>
-          </a:prstGeom>
-        </p:spPr>
-      </p:pic>
-      <p:pic>
-        <p:nvPicPr>
-          <p:cNvPr id="12" name="Picture 11">
-            <a:extLst>
-              <a:ext uri="{FF2B5EF4-FFF2-40B4-BE49-F238E27FC236}">
-                <a16:creationId xmlns:a16="http://schemas.microsoft.com/office/drawing/2014/main" id="{117B7C8B-175B-4009-808B-9F66FD108AB3}"/>
-              </a:ext>
-            </a:extLst>
-          </p:cNvPr>
-          <p:cNvPicPr>
-            <a:picLocks noGrp="1" noRot="1" noChangeAspect="1" noMove="1" noResize="1" noEditPoints="1" noAdjustHandles="1" noChangeArrowheads="1" noChangeShapeType="1" noCrop="1"/>
-          </p:cNvPicPr>
-          <p:nvPr>
-            <p:extLst>
-              <p:ext uri="{386F3935-93C4-4BCD-93E2-E3B085C9AB24}">
-                <p16:designElem xmlns:p16="http://schemas.microsoft.com/office/powerpoint/2015/main" val="1"/>
-              </p:ext>
-            </p:extLst>
-          </p:nvPr>
-        </p:nvPicPr>
-        <p:blipFill rotWithShape="1">
-          <a:blip r:embed="rId4">
-            <a:extLst>
-              <a:ext uri="{28A0092B-C50C-407E-A947-70E740481C1C}">
-                <a14:useLocalDpi xmlns:a14="http://schemas.microsoft.com/office/drawing/2010/main" val="0"/>
-              </a:ext>
-            </a:extLst>
-          </a:blip>
-          <a:srcRect l="35640"/>
-          <a:stretch/>
-        </p:blipFill>
-        <p:spPr>
-          <a:xfrm>
-            <a:off x="0" y="2892347"/>
-            <a:ext cx="1522412" cy="2365453"/>
-          </a:xfrm>
-          <a:prstGeom prst="rect">
-            <a:avLst/>
-          </a:prstGeom>
-        </p:spPr>
-      </p:pic>
-      <p:sp>
-        <p:nvSpPr>
-          <p:cNvPr id="14" name="Oval 13">
-            <a:extLst>
-              <a:ext uri="{FF2B5EF4-FFF2-40B4-BE49-F238E27FC236}">
-                <a16:creationId xmlns:a16="http://schemas.microsoft.com/office/drawing/2014/main" id="{FE5ECD52-6A23-4FF4-8C32-7B5DE9973ADA}"/>
-              </a:ext>
-            </a:extLst>
-          </p:cNvPr>
-          <p:cNvSpPr>
-            <a:spLocks noGrp="1" noRot="1" noChangeAspect="1" noMove="1" noResize="1" noEditPoints="1" noAdjustHandles="1" noChangeArrowheads="1" noChangeShapeType="1" noTextEdit="1"/>
-          </p:cNvSpPr>
-          <p:nvPr>
-            <p:extLst>
-              <p:ext uri="{386F3935-93C4-4BCD-93E2-E3B085C9AB24}">
-                <p16:designElem xmlns:p16="http://schemas.microsoft.com/office/powerpoint/2015/main" val="1"/>
-              </p:ext>
-            </p:extLst>
-          </p:nvPr>
-        </p:nvSpPr>
-        <p:spPr>
-          <a:xfrm>
-            <a:off x="8609012" y="1676400"/>
-            <a:ext cx="2819400" cy="2819400"/>
-          </a:xfrm>
-          <a:prstGeom prst="ellipse">
-            <a:avLst/>
-          </a:prstGeom>
-          <a:gradFill flip="none" rotWithShape="1">
-            <a:gsLst>
-              <a:gs pos="0">
-                <a:schemeClr val="accent5">
-                  <a:alpha val="7000"/>
-                </a:schemeClr>
-              </a:gs>
-              <a:gs pos="69000">
-                <a:schemeClr val="accent5">
-                  <a:alpha val="0"/>
-                </a:schemeClr>
-              </a:gs>
-              <a:gs pos="36000">
-                <a:schemeClr val="accent5">
-                  <a:alpha val="6000"/>
-                </a:schemeClr>
-              </a:gs>
-            </a:gsLst>
-            <a:path path="circle">
-              <a:fillToRect l="50000" t="50000" r="50000" b="50000"/>
-            </a:path>
-            <a:tileRect/>
-          </a:gradFill>
-          <a:ln>
-            <a:noFill/>
-          </a:ln>
-          <a:effectLst/>
-        </p:spPr>
-        <p:style>
-          <a:lnRef idx="1">
-            <a:schemeClr val="accent1"/>
-          </a:lnRef>
-          <a:fillRef idx="3">
-            <a:schemeClr val="accent1"/>
-          </a:fillRef>
-          <a:effectRef idx="2">
-            <a:schemeClr val="accent1"/>
-          </a:effectRef>
-          <a:fontRef idx="minor">
-            <a:schemeClr val="lt1"/>
-          </a:fontRef>
-        </p:style>
-      </p:sp>
-      <p:pic>
-        <p:nvPicPr>
-          <p:cNvPr id="16" name="Picture 15">
-            <a:extLst>
-              <a:ext uri="{FF2B5EF4-FFF2-40B4-BE49-F238E27FC236}">
-                <a16:creationId xmlns:a16="http://schemas.microsoft.com/office/drawing/2014/main" id="{5C3F2B96-5F34-41C9-8E37-A9CD279A4270}"/>
-              </a:ext>
-            </a:extLst>
-          </p:cNvPr>
-          <p:cNvPicPr>
-            <a:picLocks noGrp="1" noRot="1" noChangeAspect="1" noMove="1" noResize="1" noEditPoints="1" noAdjustHandles="1" noChangeArrowheads="1" noChangeShapeType="1" noCrop="1"/>
-          </p:cNvPicPr>
-          <p:nvPr>
-            <p:extLst>
-              <p:ext uri="{386F3935-93C4-4BCD-93E2-E3B085C9AB24}">
-                <p16:designElem xmlns:p16="http://schemas.microsoft.com/office/powerpoint/2015/main" val="1"/>
-              </p:ext>
-            </p:extLst>
-          </p:nvPr>
-        </p:nvPicPr>
-        <p:blipFill rotWithShape="1">
-          <a:blip r:embed="rId5">
-            <a:extLst>
-              <a:ext uri="{28A0092B-C50C-407E-A947-70E740481C1C}">
-                <a14:useLocalDpi xmlns:a14="http://schemas.microsoft.com/office/drawing/2010/main" val="0"/>
-              </a:ext>
-            </a:extLst>
-          </a:blip>
-          <a:srcRect t="28813"/>
-          <a:stretch/>
-        </p:blipFill>
-        <p:spPr>
-          <a:xfrm>
-            <a:off x="7999412" y="0"/>
-            <a:ext cx="1603387" cy="1141407"/>
-          </a:xfrm>
-          <a:prstGeom prst="rect">
-            <a:avLst/>
-          </a:prstGeom>
-        </p:spPr>
-      </p:pic>
-      <p:pic>
-        <p:nvPicPr>
-          <p:cNvPr id="18" name="Picture 17">
-            <a:extLst>
-              <a:ext uri="{FF2B5EF4-FFF2-40B4-BE49-F238E27FC236}">
-                <a16:creationId xmlns:a16="http://schemas.microsoft.com/office/drawing/2014/main" id="{9A4E02BF-4F0E-44E2-A489-075900B7866C}"/>
-              </a:ext>
-            </a:extLst>
-          </p:cNvPr>
-          <p:cNvPicPr>
-            <a:picLocks noGrp="1" noRot="1" noChangeAspect="1" noMove="1" noResize="1" noEditPoints="1" noAdjustHandles="1" noChangeArrowheads="1" noChangeShapeType="1" noCrop="1"/>
-          </p:cNvPicPr>
-          <p:nvPr>
-            <p:extLst>
-              <p:ext uri="{386F3935-93C4-4BCD-93E2-E3B085C9AB24}">
-                <p16:designElem xmlns:p16="http://schemas.microsoft.com/office/powerpoint/2015/main" val="1"/>
-              </p:ext>
-            </p:extLst>
-          </p:nvPr>
-        </p:nvPicPr>
-        <p:blipFill rotWithShape="1">
-          <a:blip r:embed="rId6">
-            <a:extLst>
-              <a:ext uri="{28A0092B-C50C-407E-A947-70E740481C1C}">
-                <a14:useLocalDpi xmlns:a14="http://schemas.microsoft.com/office/drawing/2010/main" val="0"/>
-              </a:ext>
-            </a:extLst>
-          </a:blip>
-          <a:srcRect b="23320"/>
-          <a:stretch/>
-        </p:blipFill>
-        <p:spPr>
-          <a:xfrm>
-            <a:off x="8609012" y="6096000"/>
-            <a:ext cx="993734" cy="762000"/>
-          </a:xfrm>
-          <a:prstGeom prst="rect">
-            <a:avLst/>
-          </a:prstGeom>
-        </p:spPr>
-      </p:pic>
-      <p:sp>
-        <p:nvSpPr>
-          <p:cNvPr id="20" name="Rectangle 19">
-            <a:extLst>
-              <a:ext uri="{FF2B5EF4-FFF2-40B4-BE49-F238E27FC236}">
-                <a16:creationId xmlns:a16="http://schemas.microsoft.com/office/drawing/2014/main" id="{45624C63-3CCA-4EA6-B822-6E710A82062B}"/>
-              </a:ext>
-            </a:extLst>
-          </p:cNvPr>
-          <p:cNvSpPr>
-            <a:spLocks noGrp="1" noRot="1" noChangeAspect="1" noMove="1" noResize="1" noEditPoints="1" noAdjustHandles="1" noChangeArrowheads="1" noChangeShapeType="1" noTextEdit="1"/>
-          </p:cNvSpPr>
-          <p:nvPr>
-            <p:extLst>
-              <p:ext uri="{386F3935-93C4-4BCD-93E2-E3B085C9AB24}">
-                <p16:designElem xmlns:p16="http://schemas.microsoft.com/office/powerpoint/2015/main" val="1"/>
-              </p:ext>
-            </p:extLst>
-          </p:nvPr>
-        </p:nvSpPr>
-        <p:spPr>
-          <a:xfrm>
-            <a:off x="10437812" y="0"/>
-            <a:ext cx="685800" cy="1143000"/>
-          </a:xfrm>
-          <a:prstGeom prst="rect">
-            <a:avLst/>
-          </a:prstGeom>
-          <a:solidFill>
-            <a:schemeClr val="accent1"/>
-          </a:solidFill>
-          <a:ln>
-            <a:noFill/>
-          </a:ln>
-        </p:spPr>
-        <p:style>
-          <a:lnRef idx="1">
-            <a:schemeClr val="accent1"/>
-          </a:lnRef>
-          <a:fillRef idx="3">
-            <a:schemeClr val="accent1"/>
-          </a:fillRef>
-          <a:effectRef idx="2">
-            <a:schemeClr val="accent1"/>
-          </a:effectRef>
-          <a:fontRef idx="minor">
-            <a:schemeClr val="lt1"/>
-          </a:fontRef>
-        </p:style>
-      </p:sp>
-      <p:pic>
-        <p:nvPicPr>
-          <p:cNvPr id="5" name="מציין מיקום תוכן 4">
-            <a:extLst>
-              <a:ext uri="{FF2B5EF4-FFF2-40B4-BE49-F238E27FC236}">
-                <a16:creationId xmlns:a16="http://schemas.microsoft.com/office/drawing/2014/main" id="{1F880970-4569-4A7F-9AE4-BD30F6CE2224}"/>
-              </a:ext>
-            </a:extLst>
-          </p:cNvPr>
-          <p:cNvPicPr>
-            <a:picLocks noGrp="1" noChangeAspect="1"/>
-          </p:cNvPicPr>
-          <p:nvPr>
-            <p:ph idx="1"/>
-          </p:nvPr>
-        </p:nvPicPr>
-        <p:blipFill rotWithShape="1">
-          <a:blip r:embed="rId7">
-            <a:duotone>
-              <a:prstClr val="black"/>
-              <a:schemeClr val="accent5">
-                <a:tint val="45000"/>
-                <a:satMod val="400000"/>
-              </a:schemeClr>
-            </a:duotone>
-            <a:alphaModFix amt="25000"/>
-            <a:extLst>
-              <a:ext uri="{28A0092B-C50C-407E-A947-70E740481C1C}">
-                <a14:useLocalDpi xmlns:a14="http://schemas.microsoft.com/office/drawing/2010/main" val="0"/>
-              </a:ext>
-            </a:extLst>
-          </a:blip>
-          <a:srcRect t="9091" r="9091"/>
-          <a:stretch/>
-        </p:blipFill>
-        <p:spPr>
-          <a:xfrm>
-            <a:off x="20" y="10"/>
-            <a:ext cx="12191980" cy="6857990"/>
-          </a:xfrm>
-          <a:prstGeom prst="rect">
-            <a:avLst/>
-          </a:prstGeom>
-        </p:spPr>
-      </p:pic>
-      <p:sp>
-        <p:nvSpPr>
-          <p:cNvPr id="22" name="Rectangle 21">
-            <a:extLst>
-              <a:ext uri="{FF2B5EF4-FFF2-40B4-BE49-F238E27FC236}">
-                <a16:creationId xmlns:a16="http://schemas.microsoft.com/office/drawing/2014/main" id="{C4731D99-FE94-40AD-B267-E598F798859A}"/>
-              </a:ext>
-            </a:extLst>
-          </p:cNvPr>
-          <p:cNvSpPr>
-            <a:spLocks noGrp="1" noRot="1" noChangeAspect="1" noMove="1" noResize="1" noEditPoints="1" noAdjustHandles="1" noChangeArrowheads="1" noChangeShapeType="1" noTextEdit="1"/>
-          </p:cNvSpPr>
-          <p:nvPr>
-            <p:extLst>
-              <p:ext uri="{386F3935-93C4-4BCD-93E2-E3B085C9AB24}">
-                <p16:designElem xmlns:p16="http://schemas.microsoft.com/office/powerpoint/2015/main" val="1"/>
-              </p:ext>
-            </p:extLst>
-          </p:nvPr>
-        </p:nvSpPr>
-        <p:spPr>
-          <a:xfrm>
-            <a:off x="10437812" y="0"/>
-            <a:ext cx="685800" cy="1143000"/>
-          </a:xfrm>
-          <a:prstGeom prst="rect">
-            <a:avLst/>
-          </a:prstGeom>
-          <a:solidFill>
-            <a:schemeClr val="accent1"/>
-          </a:solidFill>
-          <a:ln>
-            <a:noFill/>
-          </a:ln>
-        </p:spPr>
-        <p:style>
-          <a:lnRef idx="1">
-            <a:schemeClr val="accent1"/>
-          </a:lnRef>
-          <a:fillRef idx="3">
-            <a:schemeClr val="accent1"/>
-          </a:fillRef>
-          <a:effectRef idx="2">
-            <a:schemeClr val="accent1"/>
-          </a:effectRef>
-          <a:fontRef idx="minor">
-            <a:schemeClr val="lt1"/>
-          </a:fontRef>
-        </p:style>
-      </p:sp>
       <p:sp>
         <p:nvSpPr>
           <p:cNvPr id="2" name="כותרת 1">
             <a:extLst>
               <a:ext uri="{FF2B5EF4-FFF2-40B4-BE49-F238E27FC236}">
-                <a16:creationId xmlns:a16="http://schemas.microsoft.com/office/drawing/2014/main" id="{253A9B66-76E5-4007-8ABF-1303A95E99D3}"/>
+                <a16:creationId xmlns:a16="http://schemas.microsoft.com/office/drawing/2014/main" id="{036C4496-021B-4767-8B4C-31A602377A60}"/>
               </a:ext>
             </a:extLst>
           </p:cNvPr>
@@ -11432,30 +13050,111 @@
             <p:ph type="title"/>
           </p:nvPr>
         </p:nvSpPr>
-        <p:spPr>
-          <a:xfrm>
-            <a:off x="1154955" y="1447800"/>
-            <a:ext cx="8825658" cy="3329581"/>
-          </a:xfrm>
-        </p:spPr>
-        <p:txBody>
-          <a:bodyPr vert="horz" lIns="91440" tIns="45720" rIns="91440" bIns="45720" rtlCol="0" anchor="b">
+        <p:spPr/>
+        <p:txBody>
+          <a:bodyPr/>
+          <a:lstStyle/>
+          <a:p>
+            <a:r>
+              <a:rPr lang="en-US" dirty="0"/>
+              <a:t>History</a:t>
+            </a:r>
+            <a:endParaRPr lang="he-IL" dirty="0"/>
+          </a:p>
+        </p:txBody>
+      </p:sp>
+      <p:sp>
+        <p:nvSpPr>
+          <p:cNvPr id="3" name="מציין מיקום תוכן 2">
+            <a:extLst>
+              <a:ext uri="{FF2B5EF4-FFF2-40B4-BE49-F238E27FC236}">
+                <a16:creationId xmlns:a16="http://schemas.microsoft.com/office/drawing/2014/main" id="{B174BEBF-2F2E-4295-B4C6-030E893B366E}"/>
+              </a:ext>
+            </a:extLst>
+          </p:cNvPr>
+          <p:cNvSpPr>
+            <a:spLocks noGrp="1"/>
+          </p:cNvSpPr>
+          <p:nvPr>
+            <p:ph idx="1"/>
+          </p:nvPr>
+        </p:nvSpPr>
+        <p:spPr/>
+        <p:txBody>
+          <a:bodyPr>
             <a:normAutofit/>
           </a:bodyPr>
           <a:lstStyle/>
           <a:p>
-            <a:pPr rtl="0"/>
-            <a:r>
-              <a:rPr lang="en-US" sz="7200" dirty="0"/>
-              <a:t>HTML lives in browsers</a:t>
-            </a:r>
+            <a:pPr algn="l" rtl="0"/>
+            <a:r>
+              <a:rPr lang="en-US" dirty="0"/>
+              <a:t>2009 – Node.js</a:t>
+            </a:r>
+          </a:p>
+          <a:p>
+            <a:pPr algn="l" rtl="0"/>
+            <a:r>
+              <a:rPr lang="en-US" dirty="0"/>
+              <a:t>2010 – Angular (first main components-driven architecture)</a:t>
+            </a:r>
+          </a:p>
+          <a:p>
+            <a:pPr algn="l" rtl="0"/>
+            <a:r>
+              <a:rPr lang="en-US" dirty="0"/>
+              <a:t>2013 – React</a:t>
+            </a:r>
+          </a:p>
+          <a:p>
+            <a:pPr algn="l" rtl="0"/>
+            <a:r>
+              <a:rPr lang="en-US" dirty="0"/>
+              <a:t>2014 – Vue</a:t>
+            </a:r>
+          </a:p>
+          <a:p>
+            <a:pPr algn="l" rtl="0"/>
+            <a:r>
+              <a:rPr lang="en-US" dirty="0"/>
+              <a:t>2015? – Mithril – the fastest framework</a:t>
+            </a:r>
+          </a:p>
+          <a:p>
+            <a:pPr algn="l" rtl="0"/>
+            <a:r>
+              <a:rPr lang="en-US" dirty="0"/>
+              <a:t>2015 – Progressive Web Apps (PWA)</a:t>
+            </a:r>
+          </a:p>
+          <a:p>
+            <a:pPr algn="l" rtl="0"/>
+            <a:r>
+              <a:rPr lang="en-US" dirty="0"/>
+              <a:t>2018 – Chrome 70 – Windows PWA</a:t>
+            </a:r>
+          </a:p>
+          <a:p>
+            <a:pPr algn="l" rtl="0"/>
+            <a:r>
+              <a:rPr lang="en-US" dirty="0"/>
+              <a:t>2019 – iOS 13 will support PWA?</a:t>
+            </a:r>
+          </a:p>
+          <a:p>
+            <a:pPr lvl="1" algn="l" rtl="0"/>
+            <a:endParaRPr lang="en-US" dirty="0"/>
+          </a:p>
+          <a:p>
+            <a:pPr algn="l" rtl="0"/>
+            <a:endParaRPr lang="he-IL" dirty="0"/>
           </a:p>
         </p:txBody>
       </p:sp>
     </p:spTree>
     <p:extLst>
       <p:ext uri="{BB962C8B-B14F-4D97-AF65-F5344CB8AC3E}">
-        <p14:creationId xmlns:p14="http://schemas.microsoft.com/office/powerpoint/2010/main" val="186563586"/>
+        <p14:creationId xmlns:p14="http://schemas.microsoft.com/office/powerpoint/2010/main" val="854527941"/>
       </p:ext>
     </p:extLst>
   </p:cSld>
@@ -11576,7 +13275,7 @@
     </p:spTree>
     <p:extLst>
       <p:ext uri="{BB962C8B-B14F-4D97-AF65-F5344CB8AC3E}">
-        <p14:creationId xmlns:p14="http://schemas.microsoft.com/office/powerpoint/2010/main" val="557205705"/>
+        <p14:creationId xmlns:p14="http://schemas.microsoft.com/office/powerpoint/2010/main" val="168841553"/>
       </p:ext>
     </p:extLst>
   </p:cSld>
@@ -11695,7 +13394,7 @@
     </p:spTree>
     <p:extLst>
       <p:ext uri="{BB962C8B-B14F-4D97-AF65-F5344CB8AC3E}">
-        <p14:creationId xmlns:p14="http://schemas.microsoft.com/office/powerpoint/2010/main" val="2785336222"/>
+        <p14:creationId xmlns:p14="http://schemas.microsoft.com/office/powerpoint/2010/main" val="2739024213"/>
       </p:ext>
     </p:extLst>
   </p:cSld>
